--- a/App Prediction Presentation.pptx
+++ b/App Prediction Presentation.pptx
@@ -9,6 +9,9 @@
     <p:sldId id="257" r:id="rId3"/>
     <p:sldId id="261" r:id="rId4"/>
     <p:sldId id="262" r:id="rId5"/>
+    <p:sldId id="263" r:id="rId6"/>
+    <p:sldId id="265" r:id="rId7"/>
+    <p:sldId id="266" r:id="rId8"/>
   </p:sldIdLst>
   <p:sldSz cx="12192000" cy="6858000"/>
   <p:notesSz cx="6858000" cy="9144000"/>
@@ -3863,7 +3866,7 @@
           <a:p>
             <a:r>
               <a:rPr lang="en-US" dirty="0"/>
-              <a:t>APPLE STORE Dataset</a:t>
+              <a:t>APPLE STORE Dataset Features</a:t>
             </a:r>
           </a:p>
         </p:txBody>
@@ -3882,8 +3885,8 @@
         </p:nvSpPr>
         <p:spPr>
           <a:xfrm>
-            <a:off x="1451581" y="2015732"/>
-            <a:ext cx="4172212" cy="3450613"/>
+            <a:off x="678024" y="1841383"/>
+            <a:ext cx="4176512" cy="4077148"/>
           </a:xfrm>
           <a:prstGeom prst="rect">
             <a:avLst/>
@@ -3891,11 +3894,11 @@
         </p:spPr>
         <p:txBody>
           <a:bodyPr vert="horz" lIns="91440" tIns="45720" rIns="91440" bIns="45720" rtlCol="0" anchor="t">
-            <a:normAutofit/>
+            <a:noAutofit/>
           </a:bodyPr>
           <a:lstStyle/>
           <a:p>
-            <a:pPr defTabSz="914400">
+            <a:pPr marL="171450" indent="-171450" defTabSz="914400">
               <a:lnSpc>
                 <a:spcPct val="110000"/>
               </a:lnSpc>
@@ -3906,11 +3909,297 @@
                 <a:schemeClr val="accent1"/>
               </a:buClr>
               <a:buSzPct val="100000"/>
+              <a:buFont typeface="Arial" panose="020B0604020202020204" pitchFamily="34" charset="0"/>
+              <a:buChar char="•"/>
             </a:pPr>
             <a:r>
-              <a:rPr lang="en-US" sz="1400" dirty="0"/>
-              <a:t>2018 - 2019 NBA Regular Season</a:t>
-            </a:r>
+              <a:rPr lang="en-US" sz="1200" dirty="0"/>
+              <a:t>Track Name</a:t>
+            </a:r>
+          </a:p>
+          <a:p>
+            <a:pPr marL="742950" lvl="1" indent="-285750" defTabSz="914400">
+              <a:lnSpc>
+                <a:spcPct val="110000"/>
+              </a:lnSpc>
+              <a:spcAft>
+                <a:spcPts val="600"/>
+              </a:spcAft>
+              <a:buClr>
+                <a:schemeClr val="accent1"/>
+              </a:buClr>
+              <a:buSzPct val="100000"/>
+              <a:buFont typeface="Arial" panose="020B0604020202020204" pitchFamily="34" charset="0"/>
+              <a:buChar char="•"/>
+            </a:pPr>
+            <a:r>
+              <a:rPr lang="en-US" sz="1200" dirty="0"/>
+              <a:t>App Name</a:t>
+            </a:r>
+          </a:p>
+          <a:p>
+            <a:pPr marL="285750" indent="-285750" defTabSz="914400">
+              <a:lnSpc>
+                <a:spcPct val="110000"/>
+              </a:lnSpc>
+              <a:spcAft>
+                <a:spcPts val="600"/>
+              </a:spcAft>
+              <a:buClr>
+                <a:schemeClr val="accent1"/>
+              </a:buClr>
+              <a:buSzPct val="100000"/>
+              <a:buFont typeface="Arial" panose="020B0604020202020204" pitchFamily="34" charset="0"/>
+              <a:buChar char="•"/>
+            </a:pPr>
+            <a:r>
+              <a:rPr lang="en-US" sz="1200" dirty="0"/>
+              <a:t>Size Bytes</a:t>
+            </a:r>
+          </a:p>
+          <a:p>
+            <a:pPr marL="742950" lvl="1" indent="-285750" defTabSz="914400">
+              <a:lnSpc>
+                <a:spcPct val="110000"/>
+              </a:lnSpc>
+              <a:spcAft>
+                <a:spcPts val="600"/>
+              </a:spcAft>
+              <a:buClr>
+                <a:schemeClr val="accent1"/>
+              </a:buClr>
+              <a:buSzPct val="100000"/>
+              <a:buFont typeface="Arial" panose="020B0604020202020204" pitchFamily="34" charset="0"/>
+              <a:buChar char="•"/>
+            </a:pPr>
+            <a:r>
+              <a:rPr lang="en-US" sz="1200" dirty="0"/>
+              <a:t>Size (in Bytes)</a:t>
+            </a:r>
+          </a:p>
+          <a:p>
+            <a:pPr marL="285750" indent="-285750" defTabSz="914400">
+              <a:lnSpc>
+                <a:spcPct val="110000"/>
+              </a:lnSpc>
+              <a:spcAft>
+                <a:spcPts val="600"/>
+              </a:spcAft>
+              <a:buClr>
+                <a:schemeClr val="accent1"/>
+              </a:buClr>
+              <a:buSzPct val="100000"/>
+              <a:buFont typeface="Arial" panose="020B0604020202020204" pitchFamily="34" charset="0"/>
+              <a:buChar char="•"/>
+            </a:pPr>
+            <a:r>
+              <a:rPr lang="en-US" sz="1200" dirty="0"/>
+              <a:t>Currency</a:t>
+            </a:r>
+          </a:p>
+          <a:p>
+            <a:pPr marL="285750" indent="-285750" defTabSz="914400">
+              <a:lnSpc>
+                <a:spcPct val="110000"/>
+              </a:lnSpc>
+              <a:spcAft>
+                <a:spcPts val="600"/>
+              </a:spcAft>
+              <a:buClr>
+                <a:schemeClr val="accent1"/>
+              </a:buClr>
+              <a:buSzPct val="100000"/>
+              <a:buFont typeface="Arial" panose="020B0604020202020204" pitchFamily="34" charset="0"/>
+              <a:buChar char="•"/>
+            </a:pPr>
+            <a:r>
+              <a:rPr lang="en-US" sz="1200" dirty="0"/>
+              <a:t>Price </a:t>
+            </a:r>
+          </a:p>
+          <a:p>
+            <a:pPr marL="285750" indent="-285750" defTabSz="914400">
+              <a:lnSpc>
+                <a:spcPct val="110000"/>
+              </a:lnSpc>
+              <a:spcAft>
+                <a:spcPts val="600"/>
+              </a:spcAft>
+              <a:buClr>
+                <a:schemeClr val="accent1"/>
+              </a:buClr>
+              <a:buSzPct val="100000"/>
+              <a:buFont typeface="Arial" panose="020B0604020202020204" pitchFamily="34" charset="0"/>
+              <a:buChar char="•"/>
+            </a:pPr>
+            <a:r>
+              <a:rPr lang="en-US" sz="1200" dirty="0"/>
+              <a:t>Rating Count Tot</a:t>
+            </a:r>
+          </a:p>
+          <a:p>
+            <a:pPr marL="742950" lvl="1" indent="-285750" defTabSz="914400">
+              <a:lnSpc>
+                <a:spcPct val="110000"/>
+              </a:lnSpc>
+              <a:spcAft>
+                <a:spcPts val="600"/>
+              </a:spcAft>
+              <a:buClr>
+                <a:schemeClr val="accent1"/>
+              </a:buClr>
+              <a:buSzPct val="100000"/>
+              <a:buFont typeface="Arial" panose="020B0604020202020204" pitchFamily="34" charset="0"/>
+              <a:buChar char="•"/>
+            </a:pPr>
+            <a:r>
+              <a:rPr lang="en-US" sz="1200" dirty="0"/>
+              <a:t>User Rating counts (for all version)</a:t>
+            </a:r>
+          </a:p>
+          <a:p>
+            <a:pPr marL="285750" indent="-285750" defTabSz="914400">
+              <a:lnSpc>
+                <a:spcPct val="110000"/>
+              </a:lnSpc>
+              <a:spcAft>
+                <a:spcPts val="600"/>
+              </a:spcAft>
+              <a:buClr>
+                <a:schemeClr val="accent1"/>
+              </a:buClr>
+              <a:buSzPct val="100000"/>
+              <a:buFont typeface="Arial" panose="020B0604020202020204" pitchFamily="34" charset="0"/>
+              <a:buChar char="•"/>
+            </a:pPr>
+            <a:r>
+              <a:rPr lang="en-US" sz="1200" dirty="0"/>
+              <a:t>Rating Count Ver</a:t>
+            </a:r>
+          </a:p>
+          <a:p>
+            <a:pPr marL="742950" lvl="1" indent="-285750" defTabSz="914400">
+              <a:lnSpc>
+                <a:spcPct val="110000"/>
+              </a:lnSpc>
+              <a:spcAft>
+                <a:spcPts val="600"/>
+              </a:spcAft>
+              <a:buClr>
+                <a:schemeClr val="accent1"/>
+              </a:buClr>
+              <a:buSzPct val="100000"/>
+              <a:buFont typeface="Arial" panose="020B0604020202020204" pitchFamily="34" charset="0"/>
+              <a:buChar char="•"/>
+            </a:pPr>
+            <a:r>
+              <a:rPr lang="en-US" sz="1200" dirty="0"/>
+              <a:t> User Rating counts (for current version)</a:t>
+            </a:r>
+          </a:p>
+          <a:p>
+            <a:pPr marL="285750" indent="-285750" defTabSz="914400">
+              <a:lnSpc>
+                <a:spcPct val="110000"/>
+              </a:lnSpc>
+              <a:spcAft>
+                <a:spcPts val="600"/>
+              </a:spcAft>
+              <a:buClr>
+                <a:schemeClr val="accent1"/>
+              </a:buClr>
+              <a:buSzPct val="100000"/>
+              <a:buFont typeface="Arial" panose="020B0604020202020204" pitchFamily="34" charset="0"/>
+              <a:buChar char="•"/>
+            </a:pPr>
+            <a:r>
+              <a:rPr lang="en-US" sz="1200" dirty="0"/>
+              <a:t>User Rating</a:t>
+            </a:r>
+          </a:p>
+          <a:p>
+            <a:pPr marL="742950" lvl="1" indent="-285750" defTabSz="914400">
+              <a:lnSpc>
+                <a:spcPct val="110000"/>
+              </a:lnSpc>
+              <a:spcAft>
+                <a:spcPts val="600"/>
+              </a:spcAft>
+              <a:buClr>
+                <a:schemeClr val="accent1"/>
+              </a:buClr>
+              <a:buSzPct val="100000"/>
+              <a:buFont typeface="Arial" panose="020B0604020202020204" pitchFamily="34" charset="0"/>
+              <a:buChar char="•"/>
+            </a:pPr>
+            <a:r>
+              <a:rPr lang="en-US" sz="1200" dirty="0"/>
+              <a:t>Average User Rating value (for all version)</a:t>
+            </a:r>
+          </a:p>
+          <a:p>
+            <a:pPr marL="285750" indent="-285750" defTabSz="914400">
+              <a:lnSpc>
+                <a:spcPct val="110000"/>
+              </a:lnSpc>
+              <a:spcAft>
+                <a:spcPts val="600"/>
+              </a:spcAft>
+              <a:buClr>
+                <a:schemeClr val="accent1"/>
+              </a:buClr>
+              <a:buSzPct val="100000"/>
+              <a:buFont typeface="Arial" panose="020B0604020202020204" pitchFamily="34" charset="0"/>
+              <a:buChar char="•"/>
+            </a:pPr>
+            <a:r>
+              <a:rPr lang="en-US" sz="1200" dirty="0"/>
+              <a:t>User Rating Ver</a:t>
+            </a:r>
+          </a:p>
+          <a:p>
+            <a:pPr marL="742950" lvl="1" indent="-285750" defTabSz="914400">
+              <a:lnSpc>
+                <a:spcPct val="110000"/>
+              </a:lnSpc>
+              <a:spcAft>
+                <a:spcPts val="600"/>
+              </a:spcAft>
+              <a:buClr>
+                <a:schemeClr val="accent1"/>
+              </a:buClr>
+              <a:buSzPct val="100000"/>
+              <a:buFont typeface="Arial" panose="020B0604020202020204" pitchFamily="34" charset="0"/>
+              <a:buChar char="•"/>
+            </a:pPr>
+            <a:r>
+              <a:rPr lang="en-US" sz="1200" dirty="0"/>
+              <a:t> Average User Rating value (for current version)</a:t>
+            </a:r>
+          </a:p>
+          <a:p>
+            <a:pPr marL="171450" indent="-171450" fontAlgn="base">
+              <a:buFont typeface="Arial" panose="020B0604020202020204" pitchFamily="34" charset="0"/>
+              <a:buChar char="•"/>
+            </a:pPr>
+            <a:endParaRPr lang="en-US" sz="1200" dirty="0"/>
+          </a:p>
+          <a:p>
+            <a:pPr marL="285750" indent="-285750" defTabSz="914400">
+              <a:lnSpc>
+                <a:spcPct val="110000"/>
+              </a:lnSpc>
+              <a:spcAft>
+                <a:spcPts val="600"/>
+              </a:spcAft>
+              <a:buClr>
+                <a:schemeClr val="accent1"/>
+              </a:buClr>
+              <a:buSzPct val="100000"/>
+              <a:buFont typeface="Arial" panose="020B0604020202020204" pitchFamily="34" charset="0"/>
+              <a:buChar char="•"/>
+            </a:pPr>
+            <a:endParaRPr lang="en-US" sz="1200" dirty="0"/>
           </a:p>
           <a:p>
             <a:pPr indent="-228600" defTabSz="914400">
@@ -3927,7 +4216,7 @@
               <a:buFont typeface="Arial" panose="020B0604020202020204" pitchFamily="34" charset="0"/>
               <a:buChar char="•"/>
             </a:pPr>
-            <a:endParaRPr lang="en-US" sz="1400" dirty="0"/>
+            <a:endParaRPr lang="en-US" sz="1200" dirty="0"/>
           </a:p>
           <a:p>
             <a:pPr marL="285750" indent="-228600" defTabSz="914400">
@@ -3944,40 +4233,637 @@
               <a:buFont typeface="Arial" panose="020B0604020202020204" pitchFamily="34" charset="0"/>
               <a:buChar char="•"/>
             </a:pPr>
-            <a:endParaRPr lang="en-US" sz="1400" dirty="0"/>
-          </a:p>
-        </p:txBody>
-      </p:sp>
-      <p:pic>
-        <p:nvPicPr>
-          <p:cNvPr id="9" name="Picture 8" descr="A screenshot of a cell phone&#10;&#10;Description automatically generated">
+            <a:endParaRPr lang="en-US" sz="1200" dirty="0"/>
+          </a:p>
+        </p:txBody>
+      </p:sp>
+      <p:sp>
+        <p:nvSpPr>
+          <p:cNvPr id="19" name="Content Placeholder 5">
             <a:extLst>
               <a:ext uri="{FF2B5EF4-FFF2-40B4-BE49-F238E27FC236}">
-                <a16:creationId xmlns:a16="http://schemas.microsoft.com/office/drawing/2014/main" id="{F7F4FF13-490F-4343-A5B8-841BF3C5282A}"/>
+                <a16:creationId xmlns:a16="http://schemas.microsoft.com/office/drawing/2014/main" id="{3633BFC3-7EBF-234D-B24C-1BEAC349428B}"/>
               </a:ext>
             </a:extLst>
           </p:cNvPr>
-          <p:cNvPicPr>
-            <a:picLocks noChangeAspect="1"/>
-          </p:cNvPicPr>
+          <p:cNvSpPr txBox="1">
+            <a:spLocks/>
+          </p:cNvSpPr>
           <p:nvPr/>
-        </p:nvPicPr>
-        <p:blipFill>
-          <a:blip r:embed="rId2"/>
-          <a:stretch>
-            <a:fillRect/>
-          </a:stretch>
-        </p:blipFill>
+        </p:nvSpPr>
         <p:spPr>
           <a:xfrm>
-            <a:off x="5623793" y="1853755"/>
-            <a:ext cx="5746572" cy="4403915"/>
+            <a:off x="4854536" y="1996751"/>
+            <a:ext cx="3990884" cy="3909409"/>
           </a:xfrm>
           <a:prstGeom prst="rect">
             <a:avLst/>
           </a:prstGeom>
         </p:spPr>
-      </p:pic>
+        <p:txBody>
+          <a:bodyPr/>
+          <a:lstStyle>
+            <a:lvl1pPr marL="228600" indent="-228600" algn="l" defTabSz="914400" rtl="0" eaLnBrk="1" latinLnBrk="0" hangingPunct="1">
+              <a:lnSpc>
+                <a:spcPct val="120000"/>
+              </a:lnSpc>
+              <a:spcBef>
+                <a:spcPts val="1000"/>
+              </a:spcBef>
+              <a:buClr>
+                <a:schemeClr val="accent1"/>
+              </a:buClr>
+              <a:buSzPct val="100000"/>
+              <a:buFont typeface="Arial" panose="020B0604020202020204" pitchFamily="34" charset="0"/>
+              <a:buChar char="•"/>
+              <a:defRPr sz="2000" kern="1200">
+                <a:solidFill>
+                  <a:schemeClr val="tx1"/>
+                </a:solidFill>
+                <a:effectLst/>
+                <a:latin typeface="+mn-lt"/>
+                <a:ea typeface="+mn-ea"/>
+                <a:cs typeface="+mn-cs"/>
+              </a:defRPr>
+            </a:lvl1pPr>
+            <a:lvl2pPr marL="685800" indent="-228600" algn="l" defTabSz="914400" rtl="0" eaLnBrk="1" latinLnBrk="0" hangingPunct="1">
+              <a:lnSpc>
+                <a:spcPct val="120000"/>
+              </a:lnSpc>
+              <a:spcBef>
+                <a:spcPts val="500"/>
+              </a:spcBef>
+              <a:buClr>
+                <a:schemeClr val="accent1"/>
+              </a:buClr>
+              <a:buSzPct val="100000"/>
+              <a:buFont typeface="Arial" panose="020B0604020202020204" pitchFamily="34" charset="0"/>
+              <a:buChar char="•"/>
+              <a:defRPr sz="1800" kern="1200" cap="none" baseline="0">
+                <a:solidFill>
+                  <a:schemeClr val="tx1"/>
+                </a:solidFill>
+                <a:effectLst/>
+                <a:latin typeface="+mn-lt"/>
+                <a:ea typeface="+mn-ea"/>
+                <a:cs typeface="+mn-cs"/>
+              </a:defRPr>
+            </a:lvl2pPr>
+            <a:lvl3pPr marL="1143000" indent="-228600" algn="l" defTabSz="914400" rtl="0" eaLnBrk="1" latinLnBrk="0" hangingPunct="1">
+              <a:lnSpc>
+                <a:spcPct val="120000"/>
+              </a:lnSpc>
+              <a:spcBef>
+                <a:spcPts val="500"/>
+              </a:spcBef>
+              <a:buClr>
+                <a:schemeClr val="accent1"/>
+              </a:buClr>
+              <a:buSzPct val="100000"/>
+              <a:buFont typeface="Arial" panose="020B0604020202020204" pitchFamily="34" charset="0"/>
+              <a:buChar char="•"/>
+              <a:defRPr sz="1600" kern="1200">
+                <a:solidFill>
+                  <a:schemeClr val="tx1"/>
+                </a:solidFill>
+                <a:effectLst/>
+                <a:latin typeface="+mn-lt"/>
+                <a:ea typeface="+mn-ea"/>
+                <a:cs typeface="+mn-cs"/>
+              </a:defRPr>
+            </a:lvl3pPr>
+            <a:lvl4pPr marL="1600200" indent="-228600" algn="l" defTabSz="914400" rtl="0" eaLnBrk="1" latinLnBrk="0" hangingPunct="1">
+              <a:lnSpc>
+                <a:spcPct val="120000"/>
+              </a:lnSpc>
+              <a:spcBef>
+                <a:spcPts val="500"/>
+              </a:spcBef>
+              <a:buClr>
+                <a:schemeClr val="accent1"/>
+              </a:buClr>
+              <a:buSzPct val="100000"/>
+              <a:buFont typeface="Arial" panose="020B0604020202020204" pitchFamily="34" charset="0"/>
+              <a:buChar char="•"/>
+              <a:defRPr sz="1400" kern="1200" cap="none" baseline="0">
+                <a:solidFill>
+                  <a:schemeClr val="tx1"/>
+                </a:solidFill>
+                <a:effectLst/>
+                <a:latin typeface="+mn-lt"/>
+                <a:ea typeface="+mn-ea"/>
+                <a:cs typeface="+mn-cs"/>
+              </a:defRPr>
+            </a:lvl4pPr>
+            <a:lvl5pPr marL="2057400" indent="-228600" algn="l" defTabSz="914400" rtl="0" eaLnBrk="1" latinLnBrk="0" hangingPunct="1">
+              <a:lnSpc>
+                <a:spcPct val="120000"/>
+              </a:lnSpc>
+              <a:spcBef>
+                <a:spcPts val="500"/>
+              </a:spcBef>
+              <a:buClr>
+                <a:schemeClr val="accent1"/>
+              </a:buClr>
+              <a:buSzPct val="100000"/>
+              <a:buFont typeface="Arial" panose="020B0604020202020204" pitchFamily="34" charset="0"/>
+              <a:buChar char="•"/>
+              <a:defRPr sz="1200" kern="1200">
+                <a:solidFill>
+                  <a:schemeClr val="tx1"/>
+                </a:solidFill>
+                <a:effectLst/>
+                <a:latin typeface="+mn-lt"/>
+                <a:ea typeface="+mn-ea"/>
+                <a:cs typeface="+mn-cs"/>
+              </a:defRPr>
+            </a:lvl5pPr>
+            <a:lvl6pPr marL="2514600" indent="-228600" algn="l" defTabSz="914400" rtl="0" eaLnBrk="1" latinLnBrk="0" hangingPunct="1">
+              <a:lnSpc>
+                <a:spcPct val="120000"/>
+              </a:lnSpc>
+              <a:spcBef>
+                <a:spcPts val="500"/>
+              </a:spcBef>
+              <a:buClr>
+                <a:schemeClr val="accent1"/>
+              </a:buClr>
+              <a:buSzPct val="100000"/>
+              <a:buFont typeface="Arial" panose="020B0604020202020204" pitchFamily="34" charset="0"/>
+              <a:buChar char="•"/>
+              <a:defRPr sz="1200" kern="1200">
+                <a:solidFill>
+                  <a:schemeClr val="tx1"/>
+                </a:solidFill>
+                <a:effectLst/>
+                <a:latin typeface="+mn-lt"/>
+                <a:ea typeface="+mn-ea"/>
+                <a:cs typeface="+mn-cs"/>
+              </a:defRPr>
+            </a:lvl6pPr>
+            <a:lvl7pPr marL="2971800" indent="-228600" algn="l" defTabSz="914400" rtl="0" eaLnBrk="1" latinLnBrk="0" hangingPunct="1">
+              <a:lnSpc>
+                <a:spcPct val="120000"/>
+              </a:lnSpc>
+              <a:spcBef>
+                <a:spcPts val="500"/>
+              </a:spcBef>
+              <a:buClr>
+                <a:schemeClr val="accent1"/>
+              </a:buClr>
+              <a:buSzPct val="100000"/>
+              <a:buFont typeface="Arial" panose="020B0604020202020204" pitchFamily="34" charset="0"/>
+              <a:buChar char="•"/>
+              <a:defRPr sz="1200" kern="1200">
+                <a:solidFill>
+                  <a:schemeClr val="tx1"/>
+                </a:solidFill>
+                <a:effectLst/>
+                <a:latin typeface="+mn-lt"/>
+                <a:ea typeface="+mn-ea"/>
+                <a:cs typeface="+mn-cs"/>
+              </a:defRPr>
+            </a:lvl7pPr>
+            <a:lvl8pPr marL="3429000" indent="-228600" algn="l" defTabSz="914400" rtl="0" eaLnBrk="1" latinLnBrk="0" hangingPunct="1">
+              <a:lnSpc>
+                <a:spcPct val="120000"/>
+              </a:lnSpc>
+              <a:spcBef>
+                <a:spcPts val="500"/>
+              </a:spcBef>
+              <a:buClr>
+                <a:schemeClr val="accent1"/>
+              </a:buClr>
+              <a:buSzPct val="100000"/>
+              <a:buFont typeface="Arial" panose="020B0604020202020204" pitchFamily="34" charset="0"/>
+              <a:buChar char="•"/>
+              <a:defRPr sz="1200" kern="1200" baseline="0">
+                <a:solidFill>
+                  <a:schemeClr val="tx1"/>
+                </a:solidFill>
+                <a:effectLst/>
+                <a:latin typeface="+mn-lt"/>
+                <a:ea typeface="+mn-ea"/>
+                <a:cs typeface="+mn-cs"/>
+              </a:defRPr>
+            </a:lvl8pPr>
+            <a:lvl9pPr marL="3886200" indent="-228600" algn="l" defTabSz="914400" rtl="0" eaLnBrk="1" latinLnBrk="0" hangingPunct="1">
+              <a:lnSpc>
+                <a:spcPct val="120000"/>
+              </a:lnSpc>
+              <a:spcBef>
+                <a:spcPts val="500"/>
+              </a:spcBef>
+              <a:buClr>
+                <a:schemeClr val="accent1"/>
+              </a:buClr>
+              <a:buSzPct val="100000"/>
+              <a:buFont typeface="Arial" panose="020B0604020202020204" pitchFamily="34" charset="0"/>
+              <a:buChar char="•"/>
+              <a:defRPr sz="1200" kern="1200" baseline="0">
+                <a:solidFill>
+                  <a:schemeClr val="tx1"/>
+                </a:solidFill>
+                <a:effectLst/>
+                <a:latin typeface="+mn-lt"/>
+                <a:ea typeface="+mn-ea"/>
+                <a:cs typeface="+mn-cs"/>
+              </a:defRPr>
+            </a:lvl9pPr>
+          </a:lstStyle>
+          <a:p>
+            <a:pPr marL="285750" indent="-285750">
+              <a:lnSpc>
+                <a:spcPct val="110000"/>
+              </a:lnSpc>
+              <a:spcAft>
+                <a:spcPts val="600"/>
+              </a:spcAft>
+            </a:pPr>
+            <a:r>
+              <a:rPr lang="en-US" sz="1200" dirty="0"/>
+              <a:t>Ver</a:t>
+            </a:r>
+          </a:p>
+          <a:p>
+            <a:pPr marL="742950" lvl="1" indent="-285750">
+              <a:lnSpc>
+                <a:spcPct val="110000"/>
+              </a:lnSpc>
+              <a:spcAft>
+                <a:spcPts val="600"/>
+              </a:spcAft>
+            </a:pPr>
+            <a:r>
+              <a:rPr lang="en-US" sz="1200" dirty="0"/>
+              <a:t>Latest version code</a:t>
+            </a:r>
+          </a:p>
+          <a:p>
+            <a:pPr marL="285750" indent="-285750">
+              <a:lnSpc>
+                <a:spcPct val="110000"/>
+              </a:lnSpc>
+              <a:spcAft>
+                <a:spcPts val="600"/>
+              </a:spcAft>
+            </a:pPr>
+            <a:r>
+              <a:rPr lang="en-US" sz="1200" dirty="0" err="1"/>
+              <a:t>Cont</a:t>
+            </a:r>
+            <a:r>
+              <a:rPr lang="en-US" sz="1200" dirty="0"/>
+              <a:t> Rating</a:t>
+            </a:r>
+          </a:p>
+          <a:p>
+            <a:pPr lvl="1" fontAlgn="base"/>
+            <a:r>
+              <a:rPr lang="en-US" sz="1200" dirty="0"/>
+              <a:t> Content Rating</a:t>
+            </a:r>
+          </a:p>
+          <a:p>
+            <a:pPr fontAlgn="base"/>
+            <a:r>
+              <a:rPr lang="en-US" sz="1200" dirty="0"/>
+              <a:t>Prime Genre</a:t>
+            </a:r>
+          </a:p>
+          <a:p>
+            <a:pPr lvl="1" fontAlgn="base"/>
+            <a:r>
+              <a:rPr lang="en-US" sz="1200" dirty="0"/>
+              <a:t>Primary Genre</a:t>
+            </a:r>
+          </a:p>
+          <a:p>
+            <a:pPr fontAlgn="base"/>
+            <a:r>
+              <a:rPr lang="en-US" sz="1200" dirty="0"/>
+              <a:t>Sup </a:t>
+            </a:r>
+            <a:r>
+              <a:rPr lang="en-US" sz="1200" dirty="0" err="1"/>
+              <a:t>Devices.num</a:t>
+            </a:r>
+            <a:r>
+              <a:rPr lang="en-US" sz="1200" dirty="0"/>
+              <a:t> </a:t>
+            </a:r>
+          </a:p>
+          <a:p>
+            <a:pPr lvl="1" fontAlgn="base"/>
+            <a:r>
+              <a:rPr lang="en-US" sz="1200" dirty="0"/>
+              <a:t>Number of supporting devices</a:t>
+            </a:r>
+          </a:p>
+          <a:p>
+            <a:pPr fontAlgn="base"/>
+            <a:r>
+              <a:rPr lang="en-US" sz="1200" dirty="0" err="1"/>
+              <a:t>ipadSc</a:t>
+            </a:r>
+            <a:r>
+              <a:rPr lang="en-US" sz="1200" dirty="0"/>
+              <a:t> </a:t>
+            </a:r>
+            <a:r>
+              <a:rPr lang="en-US" sz="1200" dirty="0" err="1"/>
+              <a:t>urls.num</a:t>
+            </a:r>
+            <a:endParaRPr lang="en-US" sz="1200" dirty="0"/>
+          </a:p>
+          <a:p>
+            <a:pPr lvl="1" fontAlgn="base"/>
+            <a:r>
+              <a:rPr lang="en-US" sz="1200" dirty="0"/>
+              <a:t>Number of screenshots showed for display</a:t>
+            </a:r>
+          </a:p>
+          <a:p>
+            <a:endParaRPr lang="en-US" dirty="0"/>
+          </a:p>
+        </p:txBody>
+      </p:sp>
+      <p:sp>
+        <p:nvSpPr>
+          <p:cNvPr id="20" name="Content Placeholder 5">
+            <a:extLst>
+              <a:ext uri="{FF2B5EF4-FFF2-40B4-BE49-F238E27FC236}">
+                <a16:creationId xmlns:a16="http://schemas.microsoft.com/office/drawing/2014/main" id="{357BAA11-ADEE-384B-8DD6-558B5B6C9360}"/>
+              </a:ext>
+            </a:extLst>
+          </p:cNvPr>
+          <p:cNvSpPr txBox="1">
+            <a:spLocks/>
+          </p:cNvSpPr>
+          <p:nvPr/>
+        </p:nvSpPr>
+        <p:spPr>
+          <a:xfrm>
+            <a:off x="8201116" y="1925252"/>
+            <a:ext cx="3990884" cy="3909409"/>
+          </a:xfrm>
+          <a:prstGeom prst="rect">
+            <a:avLst/>
+          </a:prstGeom>
+        </p:spPr>
+        <p:txBody>
+          <a:bodyPr/>
+          <a:lstStyle>
+            <a:lvl1pPr marL="228600" indent="-228600" algn="l" defTabSz="914400" rtl="0" eaLnBrk="1" latinLnBrk="0" hangingPunct="1">
+              <a:lnSpc>
+                <a:spcPct val="120000"/>
+              </a:lnSpc>
+              <a:spcBef>
+                <a:spcPts val="1000"/>
+              </a:spcBef>
+              <a:buClr>
+                <a:schemeClr val="accent1"/>
+              </a:buClr>
+              <a:buSzPct val="100000"/>
+              <a:buFont typeface="Arial" panose="020B0604020202020204" pitchFamily="34" charset="0"/>
+              <a:buChar char="•"/>
+              <a:defRPr sz="2000" kern="1200">
+                <a:solidFill>
+                  <a:schemeClr val="tx1"/>
+                </a:solidFill>
+                <a:effectLst/>
+                <a:latin typeface="+mn-lt"/>
+                <a:ea typeface="+mn-ea"/>
+                <a:cs typeface="+mn-cs"/>
+              </a:defRPr>
+            </a:lvl1pPr>
+            <a:lvl2pPr marL="685800" indent="-228600" algn="l" defTabSz="914400" rtl="0" eaLnBrk="1" latinLnBrk="0" hangingPunct="1">
+              <a:lnSpc>
+                <a:spcPct val="120000"/>
+              </a:lnSpc>
+              <a:spcBef>
+                <a:spcPts val="500"/>
+              </a:spcBef>
+              <a:buClr>
+                <a:schemeClr val="accent1"/>
+              </a:buClr>
+              <a:buSzPct val="100000"/>
+              <a:buFont typeface="Arial" panose="020B0604020202020204" pitchFamily="34" charset="0"/>
+              <a:buChar char="•"/>
+              <a:defRPr sz="1800" kern="1200" cap="none" baseline="0">
+                <a:solidFill>
+                  <a:schemeClr val="tx1"/>
+                </a:solidFill>
+                <a:effectLst/>
+                <a:latin typeface="+mn-lt"/>
+                <a:ea typeface="+mn-ea"/>
+                <a:cs typeface="+mn-cs"/>
+              </a:defRPr>
+            </a:lvl2pPr>
+            <a:lvl3pPr marL="1143000" indent="-228600" algn="l" defTabSz="914400" rtl="0" eaLnBrk="1" latinLnBrk="0" hangingPunct="1">
+              <a:lnSpc>
+                <a:spcPct val="120000"/>
+              </a:lnSpc>
+              <a:spcBef>
+                <a:spcPts val="500"/>
+              </a:spcBef>
+              <a:buClr>
+                <a:schemeClr val="accent1"/>
+              </a:buClr>
+              <a:buSzPct val="100000"/>
+              <a:buFont typeface="Arial" panose="020B0604020202020204" pitchFamily="34" charset="0"/>
+              <a:buChar char="•"/>
+              <a:defRPr sz="1600" kern="1200">
+                <a:solidFill>
+                  <a:schemeClr val="tx1"/>
+                </a:solidFill>
+                <a:effectLst/>
+                <a:latin typeface="+mn-lt"/>
+                <a:ea typeface="+mn-ea"/>
+                <a:cs typeface="+mn-cs"/>
+              </a:defRPr>
+            </a:lvl3pPr>
+            <a:lvl4pPr marL="1600200" indent="-228600" algn="l" defTabSz="914400" rtl="0" eaLnBrk="1" latinLnBrk="0" hangingPunct="1">
+              <a:lnSpc>
+                <a:spcPct val="120000"/>
+              </a:lnSpc>
+              <a:spcBef>
+                <a:spcPts val="500"/>
+              </a:spcBef>
+              <a:buClr>
+                <a:schemeClr val="accent1"/>
+              </a:buClr>
+              <a:buSzPct val="100000"/>
+              <a:buFont typeface="Arial" panose="020B0604020202020204" pitchFamily="34" charset="0"/>
+              <a:buChar char="•"/>
+              <a:defRPr sz="1400" kern="1200" cap="none" baseline="0">
+                <a:solidFill>
+                  <a:schemeClr val="tx1"/>
+                </a:solidFill>
+                <a:effectLst/>
+                <a:latin typeface="+mn-lt"/>
+                <a:ea typeface="+mn-ea"/>
+                <a:cs typeface="+mn-cs"/>
+              </a:defRPr>
+            </a:lvl4pPr>
+            <a:lvl5pPr marL="2057400" indent="-228600" algn="l" defTabSz="914400" rtl="0" eaLnBrk="1" latinLnBrk="0" hangingPunct="1">
+              <a:lnSpc>
+                <a:spcPct val="120000"/>
+              </a:lnSpc>
+              <a:spcBef>
+                <a:spcPts val="500"/>
+              </a:spcBef>
+              <a:buClr>
+                <a:schemeClr val="accent1"/>
+              </a:buClr>
+              <a:buSzPct val="100000"/>
+              <a:buFont typeface="Arial" panose="020B0604020202020204" pitchFamily="34" charset="0"/>
+              <a:buChar char="•"/>
+              <a:defRPr sz="1200" kern="1200">
+                <a:solidFill>
+                  <a:schemeClr val="tx1"/>
+                </a:solidFill>
+                <a:effectLst/>
+                <a:latin typeface="+mn-lt"/>
+                <a:ea typeface="+mn-ea"/>
+                <a:cs typeface="+mn-cs"/>
+              </a:defRPr>
+            </a:lvl5pPr>
+            <a:lvl6pPr marL="2514600" indent="-228600" algn="l" defTabSz="914400" rtl="0" eaLnBrk="1" latinLnBrk="0" hangingPunct="1">
+              <a:lnSpc>
+                <a:spcPct val="120000"/>
+              </a:lnSpc>
+              <a:spcBef>
+                <a:spcPts val="500"/>
+              </a:spcBef>
+              <a:buClr>
+                <a:schemeClr val="accent1"/>
+              </a:buClr>
+              <a:buSzPct val="100000"/>
+              <a:buFont typeface="Arial" panose="020B0604020202020204" pitchFamily="34" charset="0"/>
+              <a:buChar char="•"/>
+              <a:defRPr sz="1200" kern="1200">
+                <a:solidFill>
+                  <a:schemeClr val="tx1"/>
+                </a:solidFill>
+                <a:effectLst/>
+                <a:latin typeface="+mn-lt"/>
+                <a:ea typeface="+mn-ea"/>
+                <a:cs typeface="+mn-cs"/>
+              </a:defRPr>
+            </a:lvl6pPr>
+            <a:lvl7pPr marL="2971800" indent="-228600" algn="l" defTabSz="914400" rtl="0" eaLnBrk="1" latinLnBrk="0" hangingPunct="1">
+              <a:lnSpc>
+                <a:spcPct val="120000"/>
+              </a:lnSpc>
+              <a:spcBef>
+                <a:spcPts val="500"/>
+              </a:spcBef>
+              <a:buClr>
+                <a:schemeClr val="accent1"/>
+              </a:buClr>
+              <a:buSzPct val="100000"/>
+              <a:buFont typeface="Arial" panose="020B0604020202020204" pitchFamily="34" charset="0"/>
+              <a:buChar char="•"/>
+              <a:defRPr sz="1200" kern="1200">
+                <a:solidFill>
+                  <a:schemeClr val="tx1"/>
+                </a:solidFill>
+                <a:effectLst/>
+                <a:latin typeface="+mn-lt"/>
+                <a:ea typeface="+mn-ea"/>
+                <a:cs typeface="+mn-cs"/>
+              </a:defRPr>
+            </a:lvl7pPr>
+            <a:lvl8pPr marL="3429000" indent="-228600" algn="l" defTabSz="914400" rtl="0" eaLnBrk="1" latinLnBrk="0" hangingPunct="1">
+              <a:lnSpc>
+                <a:spcPct val="120000"/>
+              </a:lnSpc>
+              <a:spcBef>
+                <a:spcPts val="500"/>
+              </a:spcBef>
+              <a:buClr>
+                <a:schemeClr val="accent1"/>
+              </a:buClr>
+              <a:buSzPct val="100000"/>
+              <a:buFont typeface="Arial" panose="020B0604020202020204" pitchFamily="34" charset="0"/>
+              <a:buChar char="•"/>
+              <a:defRPr sz="1200" kern="1200" baseline="0">
+                <a:solidFill>
+                  <a:schemeClr val="tx1"/>
+                </a:solidFill>
+                <a:effectLst/>
+                <a:latin typeface="+mn-lt"/>
+                <a:ea typeface="+mn-ea"/>
+                <a:cs typeface="+mn-cs"/>
+              </a:defRPr>
+            </a:lvl8pPr>
+            <a:lvl9pPr marL="3886200" indent="-228600" algn="l" defTabSz="914400" rtl="0" eaLnBrk="1" latinLnBrk="0" hangingPunct="1">
+              <a:lnSpc>
+                <a:spcPct val="120000"/>
+              </a:lnSpc>
+              <a:spcBef>
+                <a:spcPts val="500"/>
+              </a:spcBef>
+              <a:buClr>
+                <a:schemeClr val="accent1"/>
+              </a:buClr>
+              <a:buSzPct val="100000"/>
+              <a:buFont typeface="Arial" panose="020B0604020202020204" pitchFamily="34" charset="0"/>
+              <a:buChar char="•"/>
+              <a:defRPr sz="1200" kern="1200" baseline="0">
+                <a:solidFill>
+                  <a:schemeClr val="tx1"/>
+                </a:solidFill>
+                <a:effectLst/>
+                <a:latin typeface="+mn-lt"/>
+                <a:ea typeface="+mn-ea"/>
+                <a:cs typeface="+mn-cs"/>
+              </a:defRPr>
+            </a:lvl9pPr>
+          </a:lstStyle>
+          <a:p>
+            <a:pPr fontAlgn="base"/>
+            <a:r>
+              <a:rPr lang="en-US" sz="1200" dirty="0" err="1"/>
+              <a:t>Lang.num</a:t>
+            </a:r>
+            <a:r>
+              <a:rPr lang="en-US" sz="1200" dirty="0"/>
+              <a:t> </a:t>
+            </a:r>
+          </a:p>
+          <a:p>
+            <a:pPr lvl="1" fontAlgn="base"/>
+            <a:r>
+              <a:rPr lang="en-US" sz="1200" dirty="0"/>
+              <a:t>Number of supported languages</a:t>
+            </a:r>
+          </a:p>
+          <a:p>
+            <a:pPr fontAlgn="base"/>
+            <a:r>
+              <a:rPr lang="en-US" sz="1200" dirty="0" err="1"/>
+              <a:t>Vpp_lic</a:t>
+            </a:r>
+            <a:endParaRPr lang="en-US" sz="1200" dirty="0"/>
+          </a:p>
+          <a:p>
+            <a:pPr lvl="1" fontAlgn="base"/>
+            <a:r>
+              <a:rPr lang="en-US" sz="1200" dirty="0" err="1"/>
+              <a:t>Vpp</a:t>
+            </a:r>
+            <a:r>
+              <a:rPr lang="en-US" sz="1200" dirty="0"/>
+              <a:t> Device Based Licensing Enabled</a:t>
+            </a:r>
+          </a:p>
+          <a:p>
+            <a:endParaRPr lang="en-US" dirty="0"/>
+          </a:p>
+        </p:txBody>
+      </p:sp>
     </p:spTree>
     <p:extLst>
       <p:ext uri="{BB962C8B-B14F-4D97-AF65-F5344CB8AC3E}">
@@ -3996,6 +4882,1439 @@
       <p:transition spd="slow" advTm="187508"/>
     </mc:Fallback>
   </mc:AlternateContent>
+</p:sld>
+</file>
+
+<file path=ppt/slides/slide5.xml><?xml version="1.0" encoding="utf-8"?>
+<p:sld xmlns:a="http://schemas.openxmlformats.org/drawingml/2006/main" xmlns:r="http://schemas.openxmlformats.org/officeDocument/2006/relationships" xmlns:p="http://schemas.openxmlformats.org/presentationml/2006/main">
+  <p:cSld>
+    <p:bg>
+      <p:bgPr>
+        <a:gradFill rotWithShape="1">
+          <a:gsLst>
+            <a:gs pos="0">
+              <a:schemeClr val="bg2">
+                <a:tint val="94000"/>
+                <a:satMod val="80000"/>
+                <a:lumMod val="106000"/>
+              </a:schemeClr>
+            </a:gs>
+            <a:gs pos="100000">
+              <a:schemeClr val="bg2">
+                <a:shade val="80000"/>
+              </a:schemeClr>
+            </a:gs>
+          </a:gsLst>
+          <a:path path="circle">
+            <a:fillToRect l="43000" r="43000" b="100000"/>
+          </a:path>
+        </a:gradFill>
+        <a:effectLst/>
+      </p:bgPr>
+    </p:bg>
+    <p:spTree>
+      <p:nvGrpSpPr>
+        <p:cNvPr id="1" name=""/>
+        <p:cNvGrpSpPr/>
+        <p:nvPr/>
+      </p:nvGrpSpPr>
+      <p:grpSpPr>
+        <a:xfrm>
+          <a:off x="0" y="0"/>
+          <a:ext cx="0" cy="0"/>
+          <a:chOff x="0" y="0"/>
+          <a:chExt cx="0" cy="0"/>
+        </a:xfrm>
+      </p:grpSpPr>
+      <p:sp>
+        <p:nvSpPr>
+          <p:cNvPr id="13" name="Rectangle 12">
+            <a:extLst>
+              <a:ext uri="{FF2B5EF4-FFF2-40B4-BE49-F238E27FC236}">
+                <a16:creationId xmlns:a16="http://schemas.microsoft.com/office/drawing/2014/main" id="{0CABCAE3-64FC-4149-819F-2C1812824154}"/>
+              </a:ext>
+              <a:ext uri="{C183D7F6-B498-43B3-948B-1728B52AA6E4}">
+                <adec:decorative xmlns:adec="http://schemas.microsoft.com/office/drawing/2017/decorative" val="1"/>
+              </a:ext>
+            </a:extLst>
+          </p:cNvPr>
+          <p:cNvSpPr>
+            <a:spLocks noGrp="1" noRot="1" noChangeAspect="1" noMove="1" noResize="1" noEditPoints="1" noAdjustHandles="1" noChangeArrowheads="1" noChangeShapeType="1" noTextEdit="1"/>
+          </p:cNvSpPr>
+          <p:nvPr>
+            <p:extLst>
+              <p:ext uri="{386F3935-93C4-4BCD-93E2-E3B085C9AB24}">
+                <p16:designElem xmlns:p16="http://schemas.microsoft.com/office/powerpoint/2015/main" val="1"/>
+              </p:ext>
+            </p:extLst>
+          </p:nvPr>
+        </p:nvSpPr>
+        <p:spPr>
+          <a:xfrm>
+            <a:off x="0" y="2019476"/>
+            <a:ext cx="12192000" cy="4105941"/>
+          </a:xfrm>
+          <a:prstGeom prst="rect">
+            <a:avLst/>
+          </a:prstGeom>
+          <a:gradFill flip="none" rotWithShape="1">
+            <a:gsLst>
+              <a:gs pos="0">
+                <a:schemeClr val="bg2">
+                  <a:alpha val="0"/>
+                </a:schemeClr>
+              </a:gs>
+              <a:gs pos="100000">
+                <a:schemeClr val="bg2"/>
+              </a:gs>
+            </a:gsLst>
+            <a:lin ang="5400000" scaled="0"/>
+            <a:tileRect/>
+          </a:gradFill>
+          <a:ln>
+            <a:noFill/>
+          </a:ln>
+        </p:spPr>
+        <p:style>
+          <a:lnRef idx="2">
+            <a:schemeClr val="accent1">
+              <a:shade val="50000"/>
+            </a:schemeClr>
+          </a:lnRef>
+          <a:fillRef idx="1">
+            <a:schemeClr val="accent1"/>
+          </a:fillRef>
+          <a:effectRef idx="0">
+            <a:schemeClr val="accent1"/>
+          </a:effectRef>
+          <a:fontRef idx="minor">
+            <a:schemeClr val="lt1"/>
+          </a:fontRef>
+        </p:style>
+      </p:sp>
+      <p:pic>
+        <p:nvPicPr>
+          <p:cNvPr id="15" name="Picture 14">
+            <a:extLst>
+              <a:ext uri="{FF2B5EF4-FFF2-40B4-BE49-F238E27FC236}">
+                <a16:creationId xmlns:a16="http://schemas.microsoft.com/office/drawing/2014/main" id="{012FDCFE-9AD2-4D8A-8CBF-B3AA37EBF6DD}"/>
+              </a:ext>
+              <a:ext uri="{C183D7F6-B498-43B3-948B-1728B52AA6E4}">
+                <adec:decorative xmlns:adec="http://schemas.microsoft.com/office/drawing/2017/decorative" val="1"/>
+              </a:ext>
+            </a:extLst>
+          </p:cNvPr>
+          <p:cNvPicPr>
+            <a:picLocks noGrp="1" noRot="1" noChangeAspect="1" noMove="1" noResize="1" noEditPoints="1" noAdjustHandles="1" noChangeArrowheads="1" noChangeShapeType="1" noCrop="1"/>
+          </p:cNvPicPr>
+          <p:nvPr>
+            <p:extLst>
+              <p:ext uri="{386F3935-93C4-4BCD-93E2-E3B085C9AB24}">
+                <p16:designElem xmlns:p16="http://schemas.microsoft.com/office/powerpoint/2015/main" val="1"/>
+              </p:ext>
+            </p:extLst>
+          </p:nvPr>
+        </p:nvPicPr>
+        <p:blipFill rotWithShape="1">
+          <a:blip r:embed="rId2">
+            <a:extLst>
+              <a:ext uri="{28A0092B-C50C-407E-A947-70E740481C1C}">
+                <a14:useLocalDpi xmlns:a14="http://schemas.microsoft.com/office/drawing/2010/main" val="0"/>
+              </a:ext>
+            </a:extLst>
+          </a:blip>
+          <a:srcRect t="1538" b="-1538"/>
+          <a:stretch/>
+        </p:blipFill>
+        <p:spPr bwMode="black">
+          <a:xfrm>
+            <a:off x="0" y="6126480"/>
+            <a:ext cx="12192000" cy="742950"/>
+          </a:xfrm>
+          <a:prstGeom prst="rect">
+            <a:avLst/>
+          </a:prstGeom>
+        </p:spPr>
+      </p:pic>
+      <p:cxnSp>
+        <p:nvCxnSpPr>
+          <p:cNvPr id="17" name="Straight Connector 16">
+            <a:extLst>
+              <a:ext uri="{FF2B5EF4-FFF2-40B4-BE49-F238E27FC236}">
+                <a16:creationId xmlns:a16="http://schemas.microsoft.com/office/drawing/2014/main" id="{FBD463FC-4CA8-4FF4-85A3-AF9F4B98D210}"/>
+              </a:ext>
+              <a:ext uri="{C183D7F6-B498-43B3-948B-1728B52AA6E4}">
+                <adec:decorative xmlns:adec="http://schemas.microsoft.com/office/drawing/2017/decorative" val="1"/>
+              </a:ext>
+            </a:extLst>
+          </p:cNvPr>
+          <p:cNvCxnSpPr>
+            <a:cxnSpLocks noGrp="1" noRot="1" noChangeAspect="1" noMove="1" noResize="1" noEditPoints="1" noAdjustHandles="1" noChangeArrowheads="1" noChangeShapeType="1"/>
+          </p:cNvCxnSpPr>
+          <p:nvPr>
+            <p:extLst>
+              <p:ext uri="{386F3935-93C4-4BCD-93E2-E3B085C9AB24}">
+                <p16:designElem xmlns:p16="http://schemas.microsoft.com/office/powerpoint/2015/main" val="1"/>
+              </p:ext>
+            </p:extLst>
+          </p:nvPr>
+        </p:nvCxnSpPr>
+        <p:spPr>
+          <a:xfrm>
+            <a:off x="0" y="6128413"/>
+            <a:ext cx="12192000" cy="0"/>
+          </a:xfrm>
+          <a:prstGeom prst="line">
+            <a:avLst/>
+          </a:prstGeom>
+          <a:ln w="12700">
+            <a:solidFill>
+              <a:srgbClr val="000001">
+                <a:alpha val="20000"/>
+              </a:srgbClr>
+            </a:solidFill>
+          </a:ln>
+        </p:spPr>
+        <p:style>
+          <a:lnRef idx="1">
+            <a:schemeClr val="accent1"/>
+          </a:lnRef>
+          <a:fillRef idx="0">
+            <a:schemeClr val="accent1"/>
+          </a:fillRef>
+          <a:effectRef idx="0">
+            <a:schemeClr val="accent1"/>
+          </a:effectRef>
+          <a:fontRef idx="minor">
+            <a:schemeClr val="tx1"/>
+          </a:fontRef>
+        </p:style>
+      </p:cxnSp>
+      <p:cxnSp>
+        <p:nvCxnSpPr>
+          <p:cNvPr id="19" name="Straight Connector 18">
+            <a:extLst>
+              <a:ext uri="{FF2B5EF4-FFF2-40B4-BE49-F238E27FC236}">
+                <a16:creationId xmlns:a16="http://schemas.microsoft.com/office/drawing/2014/main" id="{BECF35C3-8B44-4F4B-BD25-4C01823DB22A}"/>
+              </a:ext>
+              <a:ext uri="{C183D7F6-B498-43B3-948B-1728B52AA6E4}">
+                <adec:decorative xmlns:adec="http://schemas.microsoft.com/office/drawing/2017/decorative" val="1"/>
+              </a:ext>
+            </a:extLst>
+          </p:cNvPr>
+          <p:cNvCxnSpPr>
+            <a:cxnSpLocks noGrp="1" noRot="1" noChangeAspect="1" noMove="1" noResize="1" noEditPoints="1" noAdjustHandles="1" noChangeArrowheads="1" noChangeShapeType="1"/>
+          </p:cNvCxnSpPr>
+          <p:nvPr>
+            <p:extLst>
+              <p:ext uri="{386F3935-93C4-4BCD-93E2-E3B085C9AB24}">
+                <p16:designElem xmlns:p16="http://schemas.microsoft.com/office/powerpoint/2015/main" val="1"/>
+              </p:ext>
+            </p:extLst>
+          </p:nvPr>
+        </p:nvCxnSpPr>
+        <p:spPr>
+          <a:xfrm>
+            <a:off x="2417780" y="3528542"/>
+            <a:ext cx="8637072" cy="0"/>
+          </a:xfrm>
+          <a:prstGeom prst="line">
+            <a:avLst/>
+          </a:prstGeom>
+          <a:ln w="31750"/>
+        </p:spPr>
+        <p:style>
+          <a:lnRef idx="3">
+            <a:schemeClr val="accent1"/>
+          </a:lnRef>
+          <a:fillRef idx="0">
+            <a:schemeClr val="accent1"/>
+          </a:fillRef>
+          <a:effectRef idx="2">
+            <a:schemeClr val="accent1"/>
+          </a:effectRef>
+          <a:fontRef idx="minor">
+            <a:schemeClr val="tx1"/>
+          </a:fontRef>
+        </p:style>
+      </p:cxnSp>
+      <p:sp useBgFill="1">
+        <p:nvSpPr>
+          <p:cNvPr id="21" name="Rectangle 20">
+            <a:extLst>
+              <a:ext uri="{FF2B5EF4-FFF2-40B4-BE49-F238E27FC236}">
+                <a16:creationId xmlns:a16="http://schemas.microsoft.com/office/drawing/2014/main" id="{D0712110-0BC1-4B31-B3BB-63B44222E87F}"/>
+              </a:ext>
+              <a:ext uri="{C183D7F6-B498-43B3-948B-1728B52AA6E4}">
+                <adec:decorative xmlns:adec="http://schemas.microsoft.com/office/drawing/2017/decorative" val="1"/>
+              </a:ext>
+            </a:extLst>
+          </p:cNvPr>
+          <p:cNvSpPr>
+            <a:spLocks noGrp="1" noRot="1" noChangeAspect="1" noMove="1" noResize="1" noEditPoints="1" noAdjustHandles="1" noChangeArrowheads="1" noChangeShapeType="1" noTextEdit="1"/>
+          </p:cNvSpPr>
+          <p:nvPr>
+            <p:extLst>
+              <p:ext uri="{386F3935-93C4-4BCD-93E2-E3B085C9AB24}">
+                <p16:designElem xmlns:p16="http://schemas.microsoft.com/office/powerpoint/2015/main" val="1"/>
+              </p:ext>
+            </p:extLst>
+          </p:nvPr>
+        </p:nvSpPr>
+        <p:spPr>
+          <a:xfrm>
+            <a:off x="2" y="0"/>
+            <a:ext cx="12191695" cy="6858000"/>
+          </a:xfrm>
+          <a:prstGeom prst="rect">
+            <a:avLst/>
+          </a:prstGeom>
+          <a:ln>
+            <a:noFill/>
+          </a:ln>
+        </p:spPr>
+        <p:style>
+          <a:lnRef idx="2">
+            <a:schemeClr val="accent1">
+              <a:shade val="50000"/>
+            </a:schemeClr>
+          </a:lnRef>
+          <a:fillRef idx="1">
+            <a:schemeClr val="accent1"/>
+          </a:fillRef>
+          <a:effectRef idx="0">
+            <a:schemeClr val="accent1"/>
+          </a:effectRef>
+          <a:fontRef idx="minor">
+            <a:schemeClr val="lt1"/>
+          </a:fontRef>
+        </p:style>
+        <p:txBody>
+          <a:bodyPr rtlCol="0" anchor="ctr"/>
+          <a:lstStyle/>
+          <a:p>
+            <a:pPr algn="ctr"/>
+            <a:endParaRPr lang="en-US"/>
+          </a:p>
+        </p:txBody>
+      </p:sp>
+      <p:sp>
+        <p:nvSpPr>
+          <p:cNvPr id="23" name="Rectangle 22">
+            <a:extLst>
+              <a:ext uri="{FF2B5EF4-FFF2-40B4-BE49-F238E27FC236}">
+                <a16:creationId xmlns:a16="http://schemas.microsoft.com/office/drawing/2014/main" id="{4466B5F3-C053-4580-B04A-1EF949888280}"/>
+              </a:ext>
+              <a:ext uri="{C183D7F6-B498-43B3-948B-1728B52AA6E4}">
+                <adec:decorative xmlns:adec="http://schemas.microsoft.com/office/drawing/2017/decorative" val="1"/>
+              </a:ext>
+            </a:extLst>
+          </p:cNvPr>
+          <p:cNvSpPr>
+            <a:spLocks noGrp="1" noRot="1" noChangeAspect="1" noMove="1" noResize="1" noEditPoints="1" noAdjustHandles="1" noChangeArrowheads="1" noChangeShapeType="1" noTextEdit="1"/>
+          </p:cNvSpPr>
+          <p:nvPr>
+            <p:extLst>
+              <p:ext uri="{386F3935-93C4-4BCD-93E2-E3B085C9AB24}">
+                <p16:designElem xmlns:p16="http://schemas.microsoft.com/office/powerpoint/2015/main" val="1"/>
+              </p:ext>
+            </p:extLst>
+          </p:nvPr>
+        </p:nvSpPr>
+        <p:spPr>
+          <a:xfrm>
+            <a:off x="0" y="2019476"/>
+            <a:ext cx="12192000" cy="4105941"/>
+          </a:xfrm>
+          <a:prstGeom prst="rect">
+            <a:avLst/>
+          </a:prstGeom>
+          <a:gradFill flip="none" rotWithShape="1">
+            <a:gsLst>
+              <a:gs pos="0">
+                <a:schemeClr val="bg2">
+                  <a:alpha val="0"/>
+                </a:schemeClr>
+              </a:gs>
+              <a:gs pos="100000">
+                <a:schemeClr val="bg2"/>
+              </a:gs>
+            </a:gsLst>
+            <a:lin ang="5400000" scaled="0"/>
+            <a:tileRect/>
+          </a:gradFill>
+          <a:ln>
+            <a:noFill/>
+          </a:ln>
+        </p:spPr>
+        <p:style>
+          <a:lnRef idx="2">
+            <a:schemeClr val="accent1">
+              <a:shade val="50000"/>
+            </a:schemeClr>
+          </a:lnRef>
+          <a:fillRef idx="1">
+            <a:schemeClr val="accent1"/>
+          </a:fillRef>
+          <a:effectRef idx="0">
+            <a:schemeClr val="accent1"/>
+          </a:effectRef>
+          <a:fontRef idx="minor">
+            <a:schemeClr val="lt1"/>
+          </a:fontRef>
+        </p:style>
+        <p:txBody>
+          <a:bodyPr rtlCol="0" anchor="ctr"/>
+          <a:lstStyle/>
+          <a:p>
+            <a:pPr lvl="0" algn="ctr"/>
+            <a:endParaRPr lang="en-US"/>
+          </a:p>
+        </p:txBody>
+      </p:sp>
+      <p:sp>
+        <p:nvSpPr>
+          <p:cNvPr id="2" name="Title 1">
+            <a:extLst>
+              <a:ext uri="{FF2B5EF4-FFF2-40B4-BE49-F238E27FC236}">
+                <a16:creationId xmlns:a16="http://schemas.microsoft.com/office/drawing/2014/main" id="{C900AE7D-012F-8B48-99F8-CADC74A6CB54}"/>
+              </a:ext>
+            </a:extLst>
+          </p:cNvPr>
+          <p:cNvSpPr>
+            <a:spLocks noGrp="1"/>
+          </p:cNvSpPr>
+          <p:nvPr>
+            <p:ph type="title"/>
+          </p:nvPr>
+        </p:nvSpPr>
+        <p:spPr>
+          <a:xfrm>
+            <a:off x="1452617" y="962913"/>
+            <a:ext cx="4481653" cy="2466087"/>
+          </a:xfrm>
+        </p:spPr>
+        <p:txBody>
+          <a:bodyPr vert="horz" lIns="91440" tIns="45720" rIns="91440" bIns="0" rtlCol="0" anchor="b">
+            <a:normAutofit/>
+          </a:bodyPr>
+          <a:lstStyle/>
+          <a:p>
+            <a:r>
+              <a:rPr lang="en-US" sz="4800" dirty="0"/>
+              <a:t>Apple data correlation </a:t>
+            </a:r>
+          </a:p>
+        </p:txBody>
+      </p:sp>
+      <p:cxnSp>
+        <p:nvCxnSpPr>
+          <p:cNvPr id="25" name="Straight Connector 24">
+            <a:extLst>
+              <a:ext uri="{FF2B5EF4-FFF2-40B4-BE49-F238E27FC236}">
+                <a16:creationId xmlns:a16="http://schemas.microsoft.com/office/drawing/2014/main" id="{FA6123F2-4B61-414F-A7E5-5B7828EACAE2}"/>
+              </a:ext>
+              <a:ext uri="{C183D7F6-B498-43B3-948B-1728B52AA6E4}">
+                <adec:decorative xmlns:adec="http://schemas.microsoft.com/office/drawing/2017/decorative" val="1"/>
+              </a:ext>
+            </a:extLst>
+          </p:cNvPr>
+          <p:cNvCxnSpPr>
+            <a:cxnSpLocks noGrp="1" noRot="1" noChangeAspect="1" noMove="1" noResize="1" noEditPoints="1" noAdjustHandles="1" noChangeArrowheads="1" noChangeShapeType="1"/>
+          </p:cNvCxnSpPr>
+          <p:nvPr>
+            <p:extLst>
+              <p:ext uri="{386F3935-93C4-4BCD-93E2-E3B085C9AB24}">
+                <p16:designElem xmlns:p16="http://schemas.microsoft.com/office/powerpoint/2015/main" val="1"/>
+              </p:ext>
+            </p:extLst>
+          </p:nvPr>
+        </p:nvCxnSpPr>
+        <p:spPr>
+          <a:xfrm>
+            <a:off x="1452617" y="3528543"/>
+            <a:ext cx="4171479" cy="0"/>
+          </a:xfrm>
+          <a:prstGeom prst="line">
+            <a:avLst/>
+          </a:prstGeom>
+          <a:ln w="31750"/>
+        </p:spPr>
+        <p:style>
+          <a:lnRef idx="3">
+            <a:schemeClr val="accent1"/>
+          </a:lnRef>
+          <a:fillRef idx="0">
+            <a:schemeClr val="accent1"/>
+          </a:fillRef>
+          <a:effectRef idx="2">
+            <a:schemeClr val="accent1"/>
+          </a:effectRef>
+          <a:fontRef idx="minor">
+            <a:schemeClr val="tx1"/>
+          </a:fontRef>
+        </p:style>
+      </p:cxnSp>
+      <p:pic>
+        <p:nvPicPr>
+          <p:cNvPr id="8" name="Picture 7" descr="A screenshot of a cell phone&#10;&#10;Description automatically generated">
+            <a:extLst>
+              <a:ext uri="{FF2B5EF4-FFF2-40B4-BE49-F238E27FC236}">
+                <a16:creationId xmlns:a16="http://schemas.microsoft.com/office/drawing/2014/main" id="{26D3C615-DA21-AC4F-A1AB-80A02688B129}"/>
+              </a:ext>
+            </a:extLst>
+          </p:cNvPr>
+          <p:cNvPicPr>
+            <a:picLocks noChangeAspect="1"/>
+          </p:cNvPicPr>
+          <p:nvPr/>
+        </p:nvPicPr>
+        <p:blipFill>
+          <a:blip r:embed="rId3"/>
+          <a:stretch>
+            <a:fillRect/>
+          </a:stretch>
+        </p:blipFill>
+        <p:spPr>
+          <a:xfrm>
+            <a:off x="5774903" y="729585"/>
+            <a:ext cx="6101052" cy="4667305"/>
+          </a:xfrm>
+          <a:prstGeom prst="rect">
+            <a:avLst/>
+          </a:prstGeom>
+        </p:spPr>
+      </p:pic>
+      <p:pic>
+        <p:nvPicPr>
+          <p:cNvPr id="27" name="Picture 26">
+            <a:extLst>
+              <a:ext uri="{FF2B5EF4-FFF2-40B4-BE49-F238E27FC236}">
+                <a16:creationId xmlns:a16="http://schemas.microsoft.com/office/drawing/2014/main" id="{25CED634-E2D0-4AB7-96DD-816C9B52C5CF}"/>
+              </a:ext>
+              <a:ext uri="{C183D7F6-B498-43B3-948B-1728B52AA6E4}">
+                <adec:decorative xmlns:adec="http://schemas.microsoft.com/office/drawing/2017/decorative" val="1"/>
+              </a:ext>
+            </a:extLst>
+          </p:cNvPr>
+          <p:cNvPicPr>
+            <a:picLocks noGrp="1" noRot="1" noChangeAspect="1" noMove="1" noResize="1" noEditPoints="1" noAdjustHandles="1" noChangeArrowheads="1" noChangeShapeType="1" noCrop="1"/>
+          </p:cNvPicPr>
+          <p:nvPr>
+            <p:extLst>
+              <p:ext uri="{386F3935-93C4-4BCD-93E2-E3B085C9AB24}">
+                <p16:designElem xmlns:p16="http://schemas.microsoft.com/office/powerpoint/2015/main" val="1"/>
+              </p:ext>
+            </p:extLst>
+          </p:nvPr>
+        </p:nvPicPr>
+        <p:blipFill rotWithShape="1">
+          <a:blip r:embed="rId2">
+            <a:extLst>
+              <a:ext uri="{28A0092B-C50C-407E-A947-70E740481C1C}">
+                <a14:useLocalDpi xmlns:a14="http://schemas.microsoft.com/office/drawing/2010/main" val="0"/>
+              </a:ext>
+            </a:extLst>
+          </a:blip>
+          <a:srcRect t="1538" b="-1538"/>
+          <a:stretch/>
+        </p:blipFill>
+        <p:spPr bwMode="black">
+          <a:xfrm>
+            <a:off x="0" y="6126480"/>
+            <a:ext cx="12192000" cy="742950"/>
+          </a:xfrm>
+          <a:prstGeom prst="rect">
+            <a:avLst/>
+          </a:prstGeom>
+        </p:spPr>
+      </p:pic>
+      <p:cxnSp>
+        <p:nvCxnSpPr>
+          <p:cNvPr id="29" name="Straight Connector 28">
+            <a:extLst>
+              <a:ext uri="{FF2B5EF4-FFF2-40B4-BE49-F238E27FC236}">
+                <a16:creationId xmlns:a16="http://schemas.microsoft.com/office/drawing/2014/main" id="{FCDDCDFB-696D-4FDF-9B58-24F71B7C37BC}"/>
+              </a:ext>
+              <a:ext uri="{C183D7F6-B498-43B3-948B-1728B52AA6E4}">
+                <adec:decorative xmlns:adec="http://schemas.microsoft.com/office/drawing/2017/decorative" val="1"/>
+              </a:ext>
+            </a:extLst>
+          </p:cNvPr>
+          <p:cNvCxnSpPr>
+            <a:cxnSpLocks noGrp="1" noRot="1" noChangeAspect="1" noMove="1" noResize="1" noEditPoints="1" noAdjustHandles="1" noChangeArrowheads="1" noChangeShapeType="1"/>
+          </p:cNvCxnSpPr>
+          <p:nvPr>
+            <p:extLst>
+              <p:ext uri="{386F3935-93C4-4BCD-93E2-E3B085C9AB24}">
+                <p16:designElem xmlns:p16="http://schemas.microsoft.com/office/powerpoint/2015/main" val="1"/>
+              </p:ext>
+            </p:extLst>
+          </p:nvPr>
+        </p:nvCxnSpPr>
+        <p:spPr>
+          <a:xfrm>
+            <a:off x="0" y="6128413"/>
+            <a:ext cx="12192000" cy="0"/>
+          </a:xfrm>
+          <a:prstGeom prst="line">
+            <a:avLst/>
+          </a:prstGeom>
+          <a:ln w="12700">
+            <a:solidFill>
+              <a:srgbClr val="000001">
+                <a:alpha val="20000"/>
+              </a:srgbClr>
+            </a:solidFill>
+          </a:ln>
+        </p:spPr>
+        <p:style>
+          <a:lnRef idx="1">
+            <a:schemeClr val="accent1"/>
+          </a:lnRef>
+          <a:fillRef idx="0">
+            <a:schemeClr val="accent1"/>
+          </a:fillRef>
+          <a:effectRef idx="0">
+            <a:schemeClr val="accent1"/>
+          </a:effectRef>
+          <a:fontRef idx="minor">
+            <a:schemeClr val="tx1"/>
+          </a:fontRef>
+        </p:style>
+      </p:cxnSp>
+    </p:spTree>
+    <p:extLst>
+      <p:ext uri="{BB962C8B-B14F-4D97-AF65-F5344CB8AC3E}">
+        <p14:creationId xmlns:p14="http://schemas.microsoft.com/office/powerpoint/2010/main" val="1704956494"/>
+      </p:ext>
+    </p:extLst>
+  </p:cSld>
+  <p:clrMapOvr>
+    <a:masterClrMapping/>
+  </p:clrMapOvr>
+</p:sld>
+</file>
+
+<file path=ppt/slides/slide6.xml><?xml version="1.0" encoding="utf-8"?>
+<p:sld xmlns:a="http://schemas.openxmlformats.org/drawingml/2006/main" xmlns:r="http://schemas.openxmlformats.org/officeDocument/2006/relationships" xmlns:p="http://schemas.openxmlformats.org/presentationml/2006/main">
+  <p:cSld>
+    <p:spTree>
+      <p:nvGrpSpPr>
+        <p:cNvPr id="1" name=""/>
+        <p:cNvGrpSpPr/>
+        <p:nvPr/>
+      </p:nvGrpSpPr>
+      <p:grpSpPr>
+        <a:xfrm>
+          <a:off x="0" y="0"/>
+          <a:ext cx="0" cy="0"/>
+          <a:chOff x="0" y="0"/>
+          <a:chExt cx="0" cy="0"/>
+        </a:xfrm>
+      </p:grpSpPr>
+      <p:sp>
+        <p:nvSpPr>
+          <p:cNvPr id="2" name="Title 1">
+            <a:extLst>
+              <a:ext uri="{FF2B5EF4-FFF2-40B4-BE49-F238E27FC236}">
+                <a16:creationId xmlns:a16="http://schemas.microsoft.com/office/drawing/2014/main" id="{65A507BB-BD20-D247-8FFE-8DE4F21C77B6}"/>
+              </a:ext>
+            </a:extLst>
+          </p:cNvPr>
+          <p:cNvSpPr>
+            <a:spLocks noGrp="1"/>
+          </p:cNvSpPr>
+          <p:nvPr>
+            <p:ph type="title"/>
+          </p:nvPr>
+        </p:nvSpPr>
+        <p:spPr>
+          <a:xfrm>
+            <a:off x="1449217" y="804889"/>
+            <a:ext cx="8158609" cy="878137"/>
+          </a:xfrm>
+        </p:spPr>
+        <p:txBody>
+          <a:bodyPr/>
+          <a:lstStyle/>
+          <a:p>
+            <a:r>
+              <a:rPr lang="en-US" dirty="0"/>
+              <a:t>Total Ratings count summary</a:t>
+            </a:r>
+          </a:p>
+        </p:txBody>
+      </p:sp>
+      <p:graphicFrame>
+        <p:nvGraphicFramePr>
+          <p:cNvPr id="5" name="Content Placeholder 4">
+            <a:extLst>
+              <a:ext uri="{FF2B5EF4-FFF2-40B4-BE49-F238E27FC236}">
+                <a16:creationId xmlns:a16="http://schemas.microsoft.com/office/drawing/2014/main" id="{807D5F69-65C9-FC4D-A38D-06EC137AC8CA}"/>
+              </a:ext>
+            </a:extLst>
+          </p:cNvPr>
+          <p:cNvGraphicFramePr>
+            <a:graphicFrameLocks noGrp="1"/>
+          </p:cNvGraphicFramePr>
+          <p:nvPr>
+            <p:ph sz="half" idx="1"/>
+            <p:extLst>
+              <p:ext uri="{D42A27DB-BD31-4B8C-83A1-F6EECF244321}">
+                <p14:modId xmlns:p14="http://schemas.microsoft.com/office/powerpoint/2010/main" val="2321779725"/>
+              </p:ext>
+            </p:extLst>
+          </p:nvPr>
+        </p:nvGraphicFramePr>
+        <p:xfrm>
+          <a:off x="715618" y="2060112"/>
+          <a:ext cx="6016487" cy="924574"/>
+        </p:xfrm>
+        <a:graphic>
+          <a:graphicData uri="http://schemas.openxmlformats.org/drawingml/2006/table">
+            <a:tbl>
+              <a:tblPr firstRow="1" bandRow="1">
+                <a:tableStyleId>{93296810-A885-4BE3-A3E7-6D5BEEA58F35}</a:tableStyleId>
+              </a:tblPr>
+              <a:tblGrid>
+                <a:gridCol w="913504">
+                  <a:extLst>
+                    <a:ext uri="{9D8B030D-6E8A-4147-A177-3AD203B41FA5}">
+                      <a16:colId xmlns:a16="http://schemas.microsoft.com/office/drawing/2014/main" val="2251034385"/>
+                    </a:ext>
+                  </a:extLst>
+                </a:gridCol>
+                <a:gridCol w="807263">
+                  <a:extLst>
+                    <a:ext uri="{9D8B030D-6E8A-4147-A177-3AD203B41FA5}">
+                      <a16:colId xmlns:a16="http://schemas.microsoft.com/office/drawing/2014/main" val="2922715774"/>
+                    </a:ext>
+                  </a:extLst>
+                </a:gridCol>
+                <a:gridCol w="1246403">
+                  <a:extLst>
+                    <a:ext uri="{9D8B030D-6E8A-4147-A177-3AD203B41FA5}">
+                      <a16:colId xmlns:a16="http://schemas.microsoft.com/office/drawing/2014/main" val="1685585629"/>
+                    </a:ext>
+                  </a:extLst>
+                </a:gridCol>
+                <a:gridCol w="1140731">
+                  <a:extLst>
+                    <a:ext uri="{9D8B030D-6E8A-4147-A177-3AD203B41FA5}">
+                      <a16:colId xmlns:a16="http://schemas.microsoft.com/office/drawing/2014/main" val="2698248143"/>
+                    </a:ext>
+                  </a:extLst>
+                </a:gridCol>
+                <a:gridCol w="919766">
+                  <a:extLst>
+                    <a:ext uri="{9D8B030D-6E8A-4147-A177-3AD203B41FA5}">
+                      <a16:colId xmlns:a16="http://schemas.microsoft.com/office/drawing/2014/main" val="186175513"/>
+                    </a:ext>
+                  </a:extLst>
+                </a:gridCol>
+                <a:gridCol w="988820">
+                  <a:extLst>
+                    <a:ext uri="{9D8B030D-6E8A-4147-A177-3AD203B41FA5}">
+                      <a16:colId xmlns:a16="http://schemas.microsoft.com/office/drawing/2014/main" val="1368935118"/>
+                    </a:ext>
+                  </a:extLst>
+                </a:gridCol>
+              </a:tblGrid>
+              <a:tr h="319323">
+                <a:tc>
+                  <a:txBody>
+                    <a:bodyPr/>
+                    <a:lstStyle/>
+                    <a:p>
+                      <a:r>
+                        <a:rPr lang="en-US" dirty="0"/>
+                        <a:t>Min</a:t>
+                      </a:r>
+                    </a:p>
+                  </a:txBody>
+                  <a:tcPr/>
+                </a:tc>
+                <a:tc>
+                  <a:txBody>
+                    <a:bodyPr/>
+                    <a:lstStyle/>
+                    <a:p>
+                      <a:r>
+                        <a:rPr lang="en-US" dirty="0"/>
+                        <a:t>1</a:t>
+                      </a:r>
+                      <a:r>
+                        <a:rPr lang="en-US" baseline="30000" dirty="0"/>
+                        <a:t>st</a:t>
+                      </a:r>
+                      <a:r>
+                        <a:rPr lang="en-US" dirty="0"/>
+                        <a:t> Q</a:t>
+                      </a:r>
+                    </a:p>
+                  </a:txBody>
+                  <a:tcPr/>
+                </a:tc>
+                <a:tc>
+                  <a:txBody>
+                    <a:bodyPr/>
+                    <a:lstStyle/>
+                    <a:p>
+                      <a:r>
+                        <a:rPr lang="en-US" dirty="0"/>
+                        <a:t>Median </a:t>
+                      </a:r>
+                    </a:p>
+                  </a:txBody>
+                  <a:tcPr/>
+                </a:tc>
+                <a:tc>
+                  <a:txBody>
+                    <a:bodyPr/>
+                    <a:lstStyle/>
+                    <a:p>
+                      <a:r>
+                        <a:rPr lang="en-US" dirty="0"/>
+                        <a:t>Mean </a:t>
+                      </a:r>
+                    </a:p>
+                  </a:txBody>
+                  <a:tcPr/>
+                </a:tc>
+                <a:tc>
+                  <a:txBody>
+                    <a:bodyPr/>
+                    <a:lstStyle/>
+                    <a:p>
+                      <a:r>
+                        <a:rPr lang="en-US" dirty="0"/>
+                        <a:t>3</a:t>
+                      </a:r>
+                      <a:r>
+                        <a:rPr lang="en-US" baseline="30000" dirty="0"/>
+                        <a:t>rd</a:t>
+                      </a:r>
+                      <a:r>
+                        <a:rPr lang="en-US" dirty="0"/>
+                        <a:t> Q</a:t>
+                      </a:r>
+                    </a:p>
+                  </a:txBody>
+                  <a:tcPr/>
+                </a:tc>
+                <a:tc>
+                  <a:txBody>
+                    <a:bodyPr/>
+                    <a:lstStyle/>
+                    <a:p>
+                      <a:r>
+                        <a:rPr lang="en-US" dirty="0"/>
+                        <a:t>Max</a:t>
+                      </a:r>
+                    </a:p>
+                  </a:txBody>
+                  <a:tcPr/>
+                </a:tc>
+                <a:extLst>
+                  <a:ext uri="{0D108BD9-81ED-4DB2-BD59-A6C34878D82A}">
+                    <a16:rowId xmlns:a16="http://schemas.microsoft.com/office/drawing/2014/main" val="503003112"/>
+                  </a:ext>
+                </a:extLst>
+              </a:tr>
+              <a:tr h="558814">
+                <a:tc>
+                  <a:txBody>
+                    <a:bodyPr/>
+                    <a:lstStyle/>
+                    <a:p>
+                      <a:r>
+                        <a:rPr lang="en-US" dirty="0"/>
+                        <a:t>0</a:t>
+                      </a:r>
+                    </a:p>
+                  </a:txBody>
+                  <a:tcPr/>
+                </a:tc>
+                <a:tc>
+                  <a:txBody>
+                    <a:bodyPr/>
+                    <a:lstStyle/>
+                    <a:p>
+                      <a:r>
+                        <a:rPr lang="en-US" dirty="0"/>
+                        <a:t>23.5 </a:t>
+                      </a:r>
+                    </a:p>
+                  </a:txBody>
+                  <a:tcPr/>
+                </a:tc>
+                <a:tc>
+                  <a:txBody>
+                    <a:bodyPr/>
+                    <a:lstStyle/>
+                    <a:p>
+                      <a:r>
+                        <a:rPr lang="en-US" dirty="0"/>
+                        <a:t>278</a:t>
+                      </a:r>
+                    </a:p>
+                  </a:txBody>
+                  <a:tcPr/>
+                </a:tc>
+                <a:tc>
+                  <a:txBody>
+                    <a:bodyPr/>
+                    <a:lstStyle/>
+                    <a:p>
+                      <a:r>
+                        <a:rPr lang="en-US" dirty="0"/>
+                        <a:t>11970.5 </a:t>
+                      </a:r>
+                    </a:p>
+                  </a:txBody>
+                  <a:tcPr/>
+                </a:tc>
+                <a:tc>
+                  <a:txBody>
+                    <a:bodyPr/>
+                    <a:lstStyle/>
+                    <a:p>
+                      <a:r>
+                        <a:rPr lang="en-US" dirty="0"/>
+                        <a:t>2550</a:t>
+                      </a:r>
+                    </a:p>
+                  </a:txBody>
+                  <a:tcPr/>
+                </a:tc>
+                <a:tc>
+                  <a:txBody>
+                    <a:bodyPr/>
+                    <a:lstStyle/>
+                    <a:p>
+                      <a:r>
+                        <a:rPr lang="en-US" dirty="0"/>
+                        <a:t>2974676</a:t>
+                      </a:r>
+                    </a:p>
+                  </a:txBody>
+                  <a:tcPr/>
+                </a:tc>
+                <a:extLst>
+                  <a:ext uri="{0D108BD9-81ED-4DB2-BD59-A6C34878D82A}">
+                    <a16:rowId xmlns:a16="http://schemas.microsoft.com/office/drawing/2014/main" val="2238281903"/>
+                  </a:ext>
+                </a:extLst>
+              </a:tr>
+            </a:tbl>
+          </a:graphicData>
+        </a:graphic>
+      </p:graphicFrame>
+      <p:sp>
+        <p:nvSpPr>
+          <p:cNvPr id="4" name="Content Placeholder 3">
+            <a:extLst>
+              <a:ext uri="{FF2B5EF4-FFF2-40B4-BE49-F238E27FC236}">
+                <a16:creationId xmlns:a16="http://schemas.microsoft.com/office/drawing/2014/main" id="{2B519F29-5BF0-E943-B0EB-7170E6FFC389}"/>
+              </a:ext>
+            </a:extLst>
+          </p:cNvPr>
+          <p:cNvSpPr>
+            <a:spLocks noGrp="1"/>
+          </p:cNvSpPr>
+          <p:nvPr>
+            <p:ph sz="half" idx="2"/>
+          </p:nvPr>
+        </p:nvSpPr>
+        <p:spPr>
+          <a:xfrm>
+            <a:off x="7063409" y="2060112"/>
+            <a:ext cx="3995514" cy="3398750"/>
+          </a:xfrm>
+        </p:spPr>
+        <p:txBody>
+          <a:bodyPr/>
+          <a:lstStyle/>
+          <a:p>
+            <a:r>
+              <a:rPr lang="en-US" dirty="0"/>
+              <a:t>With no download count, the total number of ratings are considered to be the number of downloads</a:t>
+            </a:r>
+          </a:p>
+          <a:p>
+            <a:r>
+              <a:rPr lang="en-US" dirty="0"/>
+              <a:t>Ratings are heavily skewed right </a:t>
+            </a:r>
+          </a:p>
+          <a:p>
+            <a:endParaRPr lang="en-US" dirty="0"/>
+          </a:p>
+          <a:p>
+            <a:endParaRPr lang="en-US" dirty="0"/>
+          </a:p>
+        </p:txBody>
+      </p:sp>
+      <p:pic>
+        <p:nvPicPr>
+          <p:cNvPr id="8" name="Picture 7" descr="A screenshot of a cell phone&#10;&#10;Description automatically generated">
+            <a:extLst>
+              <a:ext uri="{FF2B5EF4-FFF2-40B4-BE49-F238E27FC236}">
+                <a16:creationId xmlns:a16="http://schemas.microsoft.com/office/drawing/2014/main" id="{C19700F2-B76C-2347-B23A-35C1D3674317}"/>
+              </a:ext>
+            </a:extLst>
+          </p:cNvPr>
+          <p:cNvPicPr>
+            <a:picLocks noChangeAspect="1"/>
+          </p:cNvPicPr>
+          <p:nvPr/>
+        </p:nvPicPr>
+        <p:blipFill>
+          <a:blip r:embed="rId2"/>
+          <a:stretch>
+            <a:fillRect/>
+          </a:stretch>
+        </p:blipFill>
+        <p:spPr>
+          <a:xfrm>
+            <a:off x="1602013" y="2984686"/>
+            <a:ext cx="3873500" cy="2844800"/>
+          </a:xfrm>
+          <a:prstGeom prst="rect">
+            <a:avLst/>
+          </a:prstGeom>
+        </p:spPr>
+      </p:pic>
+    </p:spTree>
+    <p:extLst>
+      <p:ext uri="{BB962C8B-B14F-4D97-AF65-F5344CB8AC3E}">
+        <p14:creationId xmlns:p14="http://schemas.microsoft.com/office/powerpoint/2010/main" val="2880794946"/>
+      </p:ext>
+    </p:extLst>
+  </p:cSld>
+  <p:clrMapOvr>
+    <a:masterClrMapping/>
+  </p:clrMapOvr>
+</p:sld>
+</file>
+
+<file path=ppt/slides/slide7.xml><?xml version="1.0" encoding="utf-8"?>
+<p:sld xmlns:a="http://schemas.openxmlformats.org/drawingml/2006/main" xmlns:r="http://schemas.openxmlformats.org/officeDocument/2006/relationships" xmlns:p="http://schemas.openxmlformats.org/presentationml/2006/main">
+  <p:cSld>
+    <p:spTree>
+      <p:nvGrpSpPr>
+        <p:cNvPr id="1" name=""/>
+        <p:cNvGrpSpPr/>
+        <p:nvPr/>
+      </p:nvGrpSpPr>
+      <p:grpSpPr>
+        <a:xfrm>
+          <a:off x="0" y="0"/>
+          <a:ext cx="0" cy="0"/>
+          <a:chOff x="0" y="0"/>
+          <a:chExt cx="0" cy="0"/>
+        </a:xfrm>
+      </p:grpSpPr>
+      <p:sp>
+        <p:nvSpPr>
+          <p:cNvPr id="2" name="Title 1">
+            <a:extLst>
+              <a:ext uri="{FF2B5EF4-FFF2-40B4-BE49-F238E27FC236}">
+                <a16:creationId xmlns:a16="http://schemas.microsoft.com/office/drawing/2014/main" id="{65A507BB-BD20-D247-8FFE-8DE4F21C77B6}"/>
+              </a:ext>
+            </a:extLst>
+          </p:cNvPr>
+          <p:cNvSpPr>
+            <a:spLocks noGrp="1"/>
+          </p:cNvSpPr>
+          <p:nvPr>
+            <p:ph type="title"/>
+          </p:nvPr>
+        </p:nvSpPr>
+        <p:spPr>
+          <a:xfrm>
+            <a:off x="1449217" y="804889"/>
+            <a:ext cx="8158609" cy="878137"/>
+          </a:xfrm>
+        </p:spPr>
+        <p:txBody>
+          <a:bodyPr/>
+          <a:lstStyle/>
+          <a:p>
+            <a:r>
+              <a:rPr lang="en-US" dirty="0"/>
+              <a:t>Poisson model summary</a:t>
+            </a:r>
+          </a:p>
+        </p:txBody>
+      </p:sp>
+      <p:graphicFrame>
+        <p:nvGraphicFramePr>
+          <p:cNvPr id="5" name="Content Placeholder 4">
+            <a:extLst>
+              <a:ext uri="{FF2B5EF4-FFF2-40B4-BE49-F238E27FC236}">
+                <a16:creationId xmlns:a16="http://schemas.microsoft.com/office/drawing/2014/main" id="{807D5F69-65C9-FC4D-A38D-06EC137AC8CA}"/>
+              </a:ext>
+            </a:extLst>
+          </p:cNvPr>
+          <p:cNvGraphicFramePr>
+            <a:graphicFrameLocks noGrp="1"/>
+          </p:cNvGraphicFramePr>
+          <p:nvPr>
+            <p:ph sz="half" idx="1"/>
+            <p:extLst>
+              <p:ext uri="{D42A27DB-BD31-4B8C-83A1-F6EECF244321}">
+                <p14:modId xmlns:p14="http://schemas.microsoft.com/office/powerpoint/2010/main" val="2980283545"/>
+              </p:ext>
+            </p:extLst>
+          </p:nvPr>
+        </p:nvGraphicFramePr>
+        <p:xfrm>
+          <a:off x="715617" y="2060112"/>
+          <a:ext cx="6347791" cy="924574"/>
+        </p:xfrm>
+        <a:graphic>
+          <a:graphicData uri="http://schemas.openxmlformats.org/drawingml/2006/table">
+            <a:tbl>
+              <a:tblPr firstRow="1" bandRow="1">
+                <a:tableStyleId>{93296810-A885-4BE3-A3E7-6D5BEEA58F35}</a:tableStyleId>
+              </a:tblPr>
+              <a:tblGrid>
+                <a:gridCol w="963807">
+                  <a:extLst>
+                    <a:ext uri="{9D8B030D-6E8A-4147-A177-3AD203B41FA5}">
+                      <a16:colId xmlns:a16="http://schemas.microsoft.com/office/drawing/2014/main" val="2251034385"/>
+                    </a:ext>
+                  </a:extLst>
+                </a:gridCol>
+                <a:gridCol w="851716">
+                  <a:extLst>
+                    <a:ext uri="{9D8B030D-6E8A-4147-A177-3AD203B41FA5}">
+                      <a16:colId xmlns:a16="http://schemas.microsoft.com/office/drawing/2014/main" val="2922715774"/>
+                    </a:ext>
+                  </a:extLst>
+                </a:gridCol>
+                <a:gridCol w="1315037">
+                  <a:extLst>
+                    <a:ext uri="{9D8B030D-6E8A-4147-A177-3AD203B41FA5}">
+                      <a16:colId xmlns:a16="http://schemas.microsoft.com/office/drawing/2014/main" val="1685585629"/>
+                    </a:ext>
+                  </a:extLst>
+                </a:gridCol>
+                <a:gridCol w="1043875">
+                  <a:extLst>
+                    <a:ext uri="{9D8B030D-6E8A-4147-A177-3AD203B41FA5}">
+                      <a16:colId xmlns:a16="http://schemas.microsoft.com/office/drawing/2014/main" val="2698248143"/>
+                    </a:ext>
+                  </a:extLst>
+                </a:gridCol>
+                <a:gridCol w="993913">
+                  <a:extLst>
+                    <a:ext uri="{9D8B030D-6E8A-4147-A177-3AD203B41FA5}">
+                      <a16:colId xmlns:a16="http://schemas.microsoft.com/office/drawing/2014/main" val="186175513"/>
+                    </a:ext>
+                  </a:extLst>
+                </a:gridCol>
+                <a:gridCol w="1179443">
+                  <a:extLst>
+                    <a:ext uri="{9D8B030D-6E8A-4147-A177-3AD203B41FA5}">
+                      <a16:colId xmlns:a16="http://schemas.microsoft.com/office/drawing/2014/main" val="1368935118"/>
+                    </a:ext>
+                  </a:extLst>
+                </a:gridCol>
+              </a:tblGrid>
+              <a:tr h="319323">
+                <a:tc>
+                  <a:txBody>
+                    <a:bodyPr/>
+                    <a:lstStyle/>
+                    <a:p>
+                      <a:r>
+                        <a:rPr lang="en-US" dirty="0"/>
+                        <a:t>Min</a:t>
+                      </a:r>
+                    </a:p>
+                  </a:txBody>
+                  <a:tcPr/>
+                </a:tc>
+                <a:tc>
+                  <a:txBody>
+                    <a:bodyPr/>
+                    <a:lstStyle/>
+                    <a:p>
+                      <a:r>
+                        <a:rPr lang="en-US" dirty="0"/>
+                        <a:t>1</a:t>
+                      </a:r>
+                      <a:r>
+                        <a:rPr lang="en-US" baseline="30000" dirty="0"/>
+                        <a:t>st</a:t>
+                      </a:r>
+                      <a:r>
+                        <a:rPr lang="en-US" dirty="0"/>
+                        <a:t> Q</a:t>
+                      </a:r>
+                    </a:p>
+                  </a:txBody>
+                  <a:tcPr/>
+                </a:tc>
+                <a:tc>
+                  <a:txBody>
+                    <a:bodyPr/>
+                    <a:lstStyle/>
+                    <a:p>
+                      <a:r>
+                        <a:rPr lang="en-US" dirty="0"/>
+                        <a:t>Median </a:t>
+                      </a:r>
+                    </a:p>
+                  </a:txBody>
+                  <a:tcPr/>
+                </a:tc>
+                <a:tc>
+                  <a:txBody>
+                    <a:bodyPr/>
+                    <a:lstStyle/>
+                    <a:p>
+                      <a:r>
+                        <a:rPr lang="en-US" dirty="0"/>
+                        <a:t>Mean </a:t>
+                      </a:r>
+                    </a:p>
+                  </a:txBody>
+                  <a:tcPr/>
+                </a:tc>
+                <a:tc>
+                  <a:txBody>
+                    <a:bodyPr/>
+                    <a:lstStyle/>
+                    <a:p>
+                      <a:r>
+                        <a:rPr lang="en-US" dirty="0"/>
+                        <a:t>3</a:t>
+                      </a:r>
+                      <a:r>
+                        <a:rPr lang="en-US" baseline="30000" dirty="0"/>
+                        <a:t>rd</a:t>
+                      </a:r>
+                      <a:r>
+                        <a:rPr lang="en-US" dirty="0"/>
+                        <a:t> Q</a:t>
+                      </a:r>
+                    </a:p>
+                  </a:txBody>
+                  <a:tcPr/>
+                </a:tc>
+                <a:tc>
+                  <a:txBody>
+                    <a:bodyPr/>
+                    <a:lstStyle/>
+                    <a:p>
+                      <a:r>
+                        <a:rPr lang="en-US" dirty="0"/>
+                        <a:t>Max</a:t>
+                      </a:r>
+                    </a:p>
+                  </a:txBody>
+                  <a:tcPr/>
+                </a:tc>
+                <a:extLst>
+                  <a:ext uri="{0D108BD9-81ED-4DB2-BD59-A6C34878D82A}">
+                    <a16:rowId xmlns:a16="http://schemas.microsoft.com/office/drawing/2014/main" val="503003112"/>
+                  </a:ext>
+                </a:extLst>
+              </a:tr>
+              <a:tr h="558814">
+                <a:tc>
+                  <a:txBody>
+                    <a:bodyPr/>
+                    <a:lstStyle/>
+                    <a:p>
+                      <a:r>
+                        <a:rPr lang="en-US" dirty="0"/>
+                        <a:t>0</a:t>
+                      </a:r>
+                    </a:p>
+                  </a:txBody>
+                  <a:tcPr/>
+                </a:tc>
+                <a:tc>
+                  <a:txBody>
+                    <a:bodyPr/>
+                    <a:lstStyle/>
+                    <a:p>
+                      <a:r>
+                        <a:rPr lang="en-US" dirty="0"/>
+                        <a:t>51.3 </a:t>
+                      </a:r>
+                    </a:p>
+                  </a:txBody>
+                  <a:tcPr/>
+                </a:tc>
+                <a:tc>
+                  <a:txBody>
+                    <a:bodyPr/>
+                    <a:lstStyle/>
+                    <a:p>
+                      <a:r>
+                        <a:rPr lang="en-US" dirty="0"/>
+                        <a:t>1414.2</a:t>
+                      </a:r>
+                    </a:p>
+                  </a:txBody>
+                  <a:tcPr/>
+                </a:tc>
+                <a:tc>
+                  <a:txBody>
+                    <a:bodyPr/>
+                    <a:lstStyle/>
+                    <a:p>
+                      <a:r>
+                        <a:rPr lang="en-US" dirty="0"/>
+                        <a:t>14288.4 </a:t>
+                      </a:r>
+                    </a:p>
+                  </a:txBody>
+                  <a:tcPr/>
+                </a:tc>
+                <a:tc>
+                  <a:txBody>
+                    <a:bodyPr/>
+                    <a:lstStyle/>
+                    <a:p>
+                      <a:r>
+                        <a:rPr lang="en-US" dirty="0"/>
+                        <a:t>24033.1</a:t>
+                      </a:r>
+                    </a:p>
+                  </a:txBody>
+                  <a:tcPr/>
+                </a:tc>
+                <a:tc>
+                  <a:txBody>
+                    <a:bodyPr/>
+                    <a:lstStyle/>
+                    <a:p>
+                      <a:r>
+                        <a:rPr lang="en-US" dirty="0"/>
+                        <a:t>2929384.5</a:t>
+                      </a:r>
+                    </a:p>
+                  </a:txBody>
+                  <a:tcPr/>
+                </a:tc>
+                <a:extLst>
+                  <a:ext uri="{0D108BD9-81ED-4DB2-BD59-A6C34878D82A}">
+                    <a16:rowId xmlns:a16="http://schemas.microsoft.com/office/drawing/2014/main" val="2238281903"/>
+                  </a:ext>
+                </a:extLst>
+              </a:tr>
+            </a:tbl>
+          </a:graphicData>
+        </a:graphic>
+      </p:graphicFrame>
+      <p:sp>
+        <p:nvSpPr>
+          <p:cNvPr id="4" name="Content Placeholder 3">
+            <a:extLst>
+              <a:ext uri="{FF2B5EF4-FFF2-40B4-BE49-F238E27FC236}">
+                <a16:creationId xmlns:a16="http://schemas.microsoft.com/office/drawing/2014/main" id="{2B519F29-5BF0-E943-B0EB-7170E6FFC389}"/>
+              </a:ext>
+            </a:extLst>
+          </p:cNvPr>
+          <p:cNvSpPr>
+            <a:spLocks noGrp="1"/>
+          </p:cNvSpPr>
+          <p:nvPr>
+            <p:ph sz="half" idx="2"/>
+          </p:nvPr>
+        </p:nvSpPr>
+        <p:spPr>
+          <a:xfrm>
+            <a:off x="7063409" y="2060112"/>
+            <a:ext cx="3995514" cy="3398750"/>
+          </a:xfrm>
+        </p:spPr>
+        <p:txBody>
+          <a:bodyPr/>
+          <a:lstStyle/>
+          <a:p>
+            <a:r>
+              <a:rPr lang="en-US" dirty="0"/>
+              <a:t>Poisson regression is often used for modeling count data</a:t>
+            </a:r>
+          </a:p>
+          <a:p>
+            <a:r>
+              <a:rPr lang="en-US" dirty="0"/>
+              <a:t>Poisson results are heavily skewed right </a:t>
+            </a:r>
+          </a:p>
+          <a:p>
+            <a:r>
+              <a:rPr lang="en-US" dirty="0"/>
+              <a:t>1</a:t>
+            </a:r>
+            <a:r>
+              <a:rPr lang="en-US" baseline="30000" dirty="0"/>
+              <a:t>st</a:t>
+            </a:r>
+            <a:r>
+              <a:rPr lang="en-US" dirty="0"/>
+              <a:t> Q and median are higher than the ratings summary but the rest of the </a:t>
+            </a:r>
+            <a:r>
+              <a:rPr lang="en-US"/>
+              <a:t>results mirror that of the ratings</a:t>
+            </a:r>
+            <a:endParaRPr lang="en-US" dirty="0"/>
+          </a:p>
+          <a:p>
+            <a:endParaRPr lang="en-US" dirty="0"/>
+          </a:p>
+        </p:txBody>
+      </p:sp>
+      <p:pic>
+        <p:nvPicPr>
+          <p:cNvPr id="6" name="Picture 5" descr="A screenshot of a cell phone&#10;&#10;Description automatically generated">
+            <a:extLst>
+              <a:ext uri="{FF2B5EF4-FFF2-40B4-BE49-F238E27FC236}">
+                <a16:creationId xmlns:a16="http://schemas.microsoft.com/office/drawing/2014/main" id="{1D31A4C0-D7F1-5C49-BFE3-CD37C3032CD3}"/>
+              </a:ext>
+            </a:extLst>
+          </p:cNvPr>
+          <p:cNvPicPr>
+            <a:picLocks noChangeAspect="1"/>
+          </p:cNvPicPr>
+          <p:nvPr/>
+        </p:nvPicPr>
+        <p:blipFill>
+          <a:blip r:embed="rId2"/>
+          <a:stretch>
+            <a:fillRect/>
+          </a:stretch>
+        </p:blipFill>
+        <p:spPr>
+          <a:xfrm>
+            <a:off x="1748458" y="2984686"/>
+            <a:ext cx="3737941" cy="2880492"/>
+          </a:xfrm>
+          <a:prstGeom prst="rect">
+            <a:avLst/>
+          </a:prstGeom>
+        </p:spPr>
+      </p:pic>
+    </p:spTree>
+    <p:extLst>
+      <p:ext uri="{BB962C8B-B14F-4D97-AF65-F5344CB8AC3E}">
+        <p14:creationId xmlns:p14="http://schemas.microsoft.com/office/powerpoint/2010/main" val="3141235019"/>
+      </p:ext>
+    </p:extLst>
+  </p:cSld>
+  <p:clrMapOvr>
+    <a:masterClrMapping/>
+  </p:clrMapOvr>
 </p:sld>
 </file>
 

--- a/App Prediction Presentation.pptx
+++ b/App Prediction Presentation.pptx
@@ -12,6 +12,7 @@
     <p:sldId id="263" r:id="rId6"/>
     <p:sldId id="265" r:id="rId7"/>
     <p:sldId id="266" r:id="rId8"/>
+    <p:sldId id="267" r:id="rId9"/>
   </p:sldIdLst>
   <p:sldSz cx="12192000" cy="6858000"/>
   <p:notesSz cx="6858000" cy="9144000"/>
@@ -5536,12 +5537,14 @@
           </a:xfrm>
         </p:spPr>
         <p:txBody>
-          <a:bodyPr/>
+          <a:bodyPr>
+            <a:normAutofit fontScale="90000"/>
+          </a:bodyPr>
           <a:lstStyle/>
           <a:p>
             <a:r>
               <a:rPr lang="en-US" dirty="0"/>
-              <a:t>Total Ratings count summary</a:t>
+              <a:t>Train Dataset: Total Ratings count summary</a:t>
             </a:r>
           </a:p>
         </p:txBody>
@@ -6262,13 +6265,8 @@
             </a:r>
             <a:r>
               <a:rPr lang="en-US" dirty="0"/>
-              <a:t> Q and median are higher than the ratings summary but the rest of the </a:t>
-            </a:r>
-            <a:r>
-              <a:rPr lang="en-US"/>
-              <a:t>results mirror that of the ratings</a:t>
-            </a:r>
-            <a:endParaRPr lang="en-US" dirty="0"/>
+              <a:t> Q and median are higher than the ratings summary but the rest of the results mirror that of the train’s dataset</a:t>
+            </a:r>
           </a:p>
           <a:p>
             <a:endParaRPr lang="en-US" dirty="0"/>
@@ -6309,6 +6307,414 @@
     <p:extLst>
       <p:ext uri="{BB962C8B-B14F-4D97-AF65-F5344CB8AC3E}">
         <p14:creationId xmlns:p14="http://schemas.microsoft.com/office/powerpoint/2010/main" val="3141235019"/>
+      </p:ext>
+    </p:extLst>
+  </p:cSld>
+  <p:clrMapOvr>
+    <a:masterClrMapping/>
+  </p:clrMapOvr>
+</p:sld>
+</file>
+
+<file path=ppt/slides/slide8.xml><?xml version="1.0" encoding="utf-8"?>
+<p:sld xmlns:a="http://schemas.openxmlformats.org/drawingml/2006/main" xmlns:r="http://schemas.openxmlformats.org/officeDocument/2006/relationships" xmlns:p="http://schemas.openxmlformats.org/presentationml/2006/main">
+  <p:cSld>
+    <p:spTree>
+      <p:nvGrpSpPr>
+        <p:cNvPr id="1" name=""/>
+        <p:cNvGrpSpPr/>
+        <p:nvPr/>
+      </p:nvGrpSpPr>
+      <p:grpSpPr>
+        <a:xfrm>
+          <a:off x="0" y="0"/>
+          <a:ext cx="0" cy="0"/>
+          <a:chOff x="0" y="0"/>
+          <a:chExt cx="0" cy="0"/>
+        </a:xfrm>
+      </p:grpSpPr>
+      <p:sp>
+        <p:nvSpPr>
+          <p:cNvPr id="2" name="Title 1">
+            <a:extLst>
+              <a:ext uri="{FF2B5EF4-FFF2-40B4-BE49-F238E27FC236}">
+                <a16:creationId xmlns:a16="http://schemas.microsoft.com/office/drawing/2014/main" id="{65A507BB-BD20-D247-8FFE-8DE4F21C77B6}"/>
+              </a:ext>
+            </a:extLst>
+          </p:cNvPr>
+          <p:cNvSpPr>
+            <a:spLocks noGrp="1"/>
+          </p:cNvSpPr>
+          <p:nvPr>
+            <p:ph type="title"/>
+          </p:nvPr>
+        </p:nvSpPr>
+        <p:spPr>
+          <a:xfrm>
+            <a:off x="1449217" y="804889"/>
+            <a:ext cx="8158609" cy="878137"/>
+          </a:xfrm>
+        </p:spPr>
+        <p:txBody>
+          <a:bodyPr/>
+          <a:lstStyle/>
+          <a:p>
+            <a:r>
+              <a:rPr lang="en-US" dirty="0"/>
+              <a:t>Zero inflated model summary</a:t>
+            </a:r>
+          </a:p>
+        </p:txBody>
+      </p:sp>
+      <p:graphicFrame>
+        <p:nvGraphicFramePr>
+          <p:cNvPr id="5" name="Content Placeholder 4">
+            <a:extLst>
+              <a:ext uri="{FF2B5EF4-FFF2-40B4-BE49-F238E27FC236}">
+                <a16:creationId xmlns:a16="http://schemas.microsoft.com/office/drawing/2014/main" id="{807D5F69-65C9-FC4D-A38D-06EC137AC8CA}"/>
+              </a:ext>
+            </a:extLst>
+          </p:cNvPr>
+          <p:cNvGraphicFramePr>
+            <a:graphicFrameLocks noGrp="1"/>
+          </p:cNvGraphicFramePr>
+          <p:nvPr>
+            <p:ph sz="half" idx="1"/>
+            <p:extLst>
+              <p:ext uri="{D42A27DB-BD31-4B8C-83A1-F6EECF244321}">
+                <p14:modId xmlns:p14="http://schemas.microsoft.com/office/powerpoint/2010/main" val="1430445835"/>
+              </p:ext>
+            </p:extLst>
+          </p:nvPr>
+        </p:nvGraphicFramePr>
+        <p:xfrm>
+          <a:off x="715617" y="2060112"/>
+          <a:ext cx="6347791" cy="924574"/>
+        </p:xfrm>
+        <a:graphic>
+          <a:graphicData uri="http://schemas.openxmlformats.org/drawingml/2006/table">
+            <a:tbl>
+              <a:tblPr firstRow="1" bandRow="1">
+                <a:tableStyleId>{93296810-A885-4BE3-A3E7-6D5BEEA58F35}</a:tableStyleId>
+              </a:tblPr>
+              <a:tblGrid>
+                <a:gridCol w="963807">
+                  <a:extLst>
+                    <a:ext uri="{9D8B030D-6E8A-4147-A177-3AD203B41FA5}">
+                      <a16:colId xmlns:a16="http://schemas.microsoft.com/office/drawing/2014/main" val="2251034385"/>
+                    </a:ext>
+                  </a:extLst>
+                </a:gridCol>
+                <a:gridCol w="851716">
+                  <a:extLst>
+                    <a:ext uri="{9D8B030D-6E8A-4147-A177-3AD203B41FA5}">
+                      <a16:colId xmlns:a16="http://schemas.microsoft.com/office/drawing/2014/main" val="2922715774"/>
+                    </a:ext>
+                  </a:extLst>
+                </a:gridCol>
+                <a:gridCol w="1315037">
+                  <a:extLst>
+                    <a:ext uri="{9D8B030D-6E8A-4147-A177-3AD203B41FA5}">
+                      <a16:colId xmlns:a16="http://schemas.microsoft.com/office/drawing/2014/main" val="1685585629"/>
+                    </a:ext>
+                  </a:extLst>
+                </a:gridCol>
+                <a:gridCol w="1043875">
+                  <a:extLst>
+                    <a:ext uri="{9D8B030D-6E8A-4147-A177-3AD203B41FA5}">
+                      <a16:colId xmlns:a16="http://schemas.microsoft.com/office/drawing/2014/main" val="2698248143"/>
+                    </a:ext>
+                  </a:extLst>
+                </a:gridCol>
+                <a:gridCol w="993913">
+                  <a:extLst>
+                    <a:ext uri="{9D8B030D-6E8A-4147-A177-3AD203B41FA5}">
+                      <a16:colId xmlns:a16="http://schemas.microsoft.com/office/drawing/2014/main" val="186175513"/>
+                    </a:ext>
+                  </a:extLst>
+                </a:gridCol>
+                <a:gridCol w="1179443">
+                  <a:extLst>
+                    <a:ext uri="{9D8B030D-6E8A-4147-A177-3AD203B41FA5}">
+                      <a16:colId xmlns:a16="http://schemas.microsoft.com/office/drawing/2014/main" val="1368935118"/>
+                    </a:ext>
+                  </a:extLst>
+                </a:gridCol>
+              </a:tblGrid>
+              <a:tr h="319323">
+                <a:tc>
+                  <a:txBody>
+                    <a:bodyPr/>
+                    <a:lstStyle/>
+                    <a:p>
+                      <a:r>
+                        <a:rPr lang="en-US" dirty="0"/>
+                        <a:t>Min</a:t>
+                      </a:r>
+                    </a:p>
+                  </a:txBody>
+                  <a:tcPr/>
+                </a:tc>
+                <a:tc>
+                  <a:txBody>
+                    <a:bodyPr/>
+                    <a:lstStyle/>
+                    <a:p>
+                      <a:r>
+                        <a:rPr lang="en-US" dirty="0"/>
+                        <a:t>1</a:t>
+                      </a:r>
+                      <a:r>
+                        <a:rPr lang="en-US" baseline="30000" dirty="0"/>
+                        <a:t>st</a:t>
+                      </a:r>
+                      <a:r>
+                        <a:rPr lang="en-US" dirty="0"/>
+                        <a:t> Q</a:t>
+                      </a:r>
+                    </a:p>
+                  </a:txBody>
+                  <a:tcPr/>
+                </a:tc>
+                <a:tc>
+                  <a:txBody>
+                    <a:bodyPr/>
+                    <a:lstStyle/>
+                    <a:p>
+                      <a:r>
+                        <a:rPr lang="en-US" dirty="0"/>
+                        <a:t>Median </a:t>
+                      </a:r>
+                    </a:p>
+                  </a:txBody>
+                  <a:tcPr/>
+                </a:tc>
+                <a:tc>
+                  <a:txBody>
+                    <a:bodyPr/>
+                    <a:lstStyle/>
+                    <a:p>
+                      <a:r>
+                        <a:rPr lang="en-US" dirty="0"/>
+                        <a:t>Mean </a:t>
+                      </a:r>
+                    </a:p>
+                  </a:txBody>
+                  <a:tcPr/>
+                </a:tc>
+                <a:tc>
+                  <a:txBody>
+                    <a:bodyPr/>
+                    <a:lstStyle/>
+                    <a:p>
+                      <a:r>
+                        <a:rPr lang="en-US" dirty="0"/>
+                        <a:t>3</a:t>
+                      </a:r>
+                      <a:r>
+                        <a:rPr lang="en-US" baseline="30000" dirty="0"/>
+                        <a:t>rd</a:t>
+                      </a:r>
+                      <a:r>
+                        <a:rPr lang="en-US" dirty="0"/>
+                        <a:t> Q</a:t>
+                      </a:r>
+                    </a:p>
+                  </a:txBody>
+                  <a:tcPr/>
+                </a:tc>
+                <a:tc>
+                  <a:txBody>
+                    <a:bodyPr/>
+                    <a:lstStyle/>
+                    <a:p>
+                      <a:r>
+                        <a:rPr lang="en-US" dirty="0"/>
+                        <a:t>Max</a:t>
+                      </a:r>
+                    </a:p>
+                  </a:txBody>
+                  <a:tcPr/>
+                </a:tc>
+                <a:extLst>
+                  <a:ext uri="{0D108BD9-81ED-4DB2-BD59-A6C34878D82A}">
+                    <a16:rowId xmlns:a16="http://schemas.microsoft.com/office/drawing/2014/main" val="503003112"/>
+                  </a:ext>
+                </a:extLst>
+              </a:tr>
+              <a:tr h="558814">
+                <a:tc>
+                  <a:txBody>
+                    <a:bodyPr/>
+                    <a:lstStyle/>
+                    <a:p>
+                      <a:r>
+                        <a:rPr lang="en-US" dirty="0"/>
+                        <a:t>0</a:t>
+                      </a:r>
+                    </a:p>
+                  </a:txBody>
+                  <a:tcPr/>
+                </a:tc>
+                <a:tc>
+                  <a:txBody>
+                    <a:bodyPr/>
+                    <a:lstStyle/>
+                    <a:p>
+                      <a:r>
+                        <a:rPr lang="en-US" dirty="0"/>
+                        <a:t>48.4</a:t>
+                      </a:r>
+                    </a:p>
+                  </a:txBody>
+                  <a:tcPr/>
+                </a:tc>
+                <a:tc>
+                  <a:txBody>
+                    <a:bodyPr/>
+                    <a:lstStyle/>
+                    <a:p>
+                      <a:r>
+                        <a:rPr lang="en-US" dirty="0"/>
+                        <a:t>1379.9</a:t>
+                      </a:r>
+                    </a:p>
+                  </a:txBody>
+                  <a:tcPr/>
+                </a:tc>
+                <a:tc>
+                  <a:txBody>
+                    <a:bodyPr/>
+                    <a:lstStyle/>
+                    <a:p>
+                      <a:r>
+                        <a:rPr lang="en-US" dirty="0"/>
+                        <a:t>13470.6 </a:t>
+                      </a:r>
+                    </a:p>
+                  </a:txBody>
+                  <a:tcPr/>
+                </a:tc>
+                <a:tc>
+                  <a:txBody>
+                    <a:bodyPr/>
+                    <a:lstStyle/>
+                    <a:p>
+                      <a:r>
+                        <a:rPr lang="en-US" dirty="0"/>
+                        <a:t>24029.8</a:t>
+                      </a:r>
+                    </a:p>
+                  </a:txBody>
+                  <a:tcPr/>
+                </a:tc>
+                <a:tc>
+                  <a:txBody>
+                    <a:bodyPr/>
+                    <a:lstStyle/>
+                    <a:p>
+                      <a:r>
+                        <a:rPr lang="en-US" dirty="0"/>
+                        <a:t>577129.3</a:t>
+                      </a:r>
+                    </a:p>
+                  </a:txBody>
+                  <a:tcPr/>
+                </a:tc>
+                <a:extLst>
+                  <a:ext uri="{0D108BD9-81ED-4DB2-BD59-A6C34878D82A}">
+                    <a16:rowId xmlns:a16="http://schemas.microsoft.com/office/drawing/2014/main" val="2238281903"/>
+                  </a:ext>
+                </a:extLst>
+              </a:tr>
+            </a:tbl>
+          </a:graphicData>
+        </a:graphic>
+      </p:graphicFrame>
+      <p:sp>
+        <p:nvSpPr>
+          <p:cNvPr id="4" name="Content Placeholder 3">
+            <a:extLst>
+              <a:ext uri="{FF2B5EF4-FFF2-40B4-BE49-F238E27FC236}">
+                <a16:creationId xmlns:a16="http://schemas.microsoft.com/office/drawing/2014/main" id="{2B519F29-5BF0-E943-B0EB-7170E6FFC389}"/>
+              </a:ext>
+            </a:extLst>
+          </p:cNvPr>
+          <p:cNvSpPr>
+            <a:spLocks noGrp="1"/>
+          </p:cNvSpPr>
+          <p:nvPr>
+            <p:ph sz="half" idx="2"/>
+          </p:nvPr>
+        </p:nvSpPr>
+        <p:spPr>
+          <a:xfrm>
+            <a:off x="7063409" y="2060112"/>
+            <a:ext cx="3995514" cy="3398750"/>
+          </a:xfrm>
+        </p:spPr>
+        <p:txBody>
+          <a:bodyPr>
+            <a:normAutofit/>
+          </a:bodyPr>
+          <a:lstStyle/>
+          <a:p>
+            <a:r>
+              <a:rPr lang="en-US" dirty="0"/>
+              <a:t>Zero inflated Poisson regression is used to model count data that has an excess amount of zeroes</a:t>
+            </a:r>
+          </a:p>
+          <a:p>
+            <a:r>
+              <a:rPr lang="en-US" dirty="0"/>
+              <a:t>Zero inflated results are less skewed than Poisson’s and train’s </a:t>
+            </a:r>
+          </a:p>
+          <a:p>
+            <a:r>
+              <a:rPr lang="en-US" dirty="0"/>
+              <a:t>Max result is significantly lower than the max from the train’s dataset</a:t>
+            </a:r>
+          </a:p>
+          <a:p>
+            <a:endParaRPr lang="en-US" dirty="0"/>
+          </a:p>
+        </p:txBody>
+      </p:sp>
+      <p:pic>
+        <p:nvPicPr>
+          <p:cNvPr id="7" name="Picture 6" descr="A screenshot of a cell phone&#10;&#10;Description automatically generated">
+            <a:extLst>
+              <a:ext uri="{FF2B5EF4-FFF2-40B4-BE49-F238E27FC236}">
+                <a16:creationId xmlns:a16="http://schemas.microsoft.com/office/drawing/2014/main" id="{23DAF23F-6E6E-D048-ABDC-E3473C451DBB}"/>
+              </a:ext>
+            </a:extLst>
+          </p:cNvPr>
+          <p:cNvPicPr>
+            <a:picLocks noChangeAspect="1"/>
+          </p:cNvPicPr>
+          <p:nvPr/>
+        </p:nvPicPr>
+        <p:blipFill>
+          <a:blip r:embed="rId2"/>
+          <a:stretch>
+            <a:fillRect/>
+          </a:stretch>
+        </p:blipFill>
+        <p:spPr>
+          <a:xfrm>
+            <a:off x="2117862" y="3190185"/>
+            <a:ext cx="3543300" cy="2730500"/>
+          </a:xfrm>
+          <a:prstGeom prst="rect">
+            <a:avLst/>
+          </a:prstGeom>
+        </p:spPr>
+      </p:pic>
+    </p:spTree>
+    <p:extLst>
+      <p:ext uri="{BB962C8B-B14F-4D97-AF65-F5344CB8AC3E}">
+        <p14:creationId xmlns:p14="http://schemas.microsoft.com/office/powerpoint/2010/main" val="2713895545"/>
       </p:ext>
     </p:extLst>
   </p:cSld>
